--- a/technology_industry_trends_analysis.pptx
+++ b/technology_industry_trends_analysis.pptx
@@ -4991,11 +4991,11 @@
           </a:p>
         </p:txBody>
       </p:sp>
-      <mc:AlternateContent xmlns:mc="http://schemas.openxmlformats.org/markup-compatibility/2006" xmlns:p14="http://schemas.microsoft.com/office/powerpoint/2010/main">
-        <mc:Choice Requires="p14">
+      <mc:AlternateContent xmlns:mc="http://schemas.openxmlformats.org/markup-compatibility/2006">
+        <mc:Choice xmlns:p14="http://schemas.microsoft.com/office/powerpoint/2010/main" Requires="p14">
           <p:contentPart p14:bwMode="auto" r:id="rId4">
             <p14:nvContentPartPr>
-              <p14:cNvPr id="6" name="Ink 5">
+              <p14:cNvPr id="6" name="Ink 5" hidden="1">
                 <a:extLst>
                   <a:ext uri="{FF2B5EF4-FFF2-40B4-BE49-F238E27FC236}">
                     <a16:creationId xmlns:a16="http://schemas.microsoft.com/office/drawing/2014/main" id="{BB9E41AB-16C2-481D-B8C5-779DDB04601D}"/>
@@ -5006,15 +5006,15 @@
               <p14:nvPr/>
             </p14:nvContentPartPr>
             <p14:xfrm>
-              <a:off x="1388880" y="6545472"/>
+              <a:off x="1388880" y="6524690"/>
               <a:ext cx="1390320" cy="112320"/>
             </p14:xfrm>
           </p:contentPart>
         </mc:Choice>
-        <mc:Fallback xmlns="">
+        <mc:Fallback>
           <p:pic>
             <p:nvPicPr>
-              <p:cNvPr id="6" name="Ink 5">
+              <p:cNvPr id="6" name="Ink 5" hidden="1">
                 <a:extLst>
                   <a:ext uri="{FF2B5EF4-FFF2-40B4-BE49-F238E27FC236}">
                     <a16:creationId xmlns:a16="http://schemas.microsoft.com/office/drawing/2014/main" id="{BB9E41AB-16C2-481D-B8C5-779DDB04601D}"/>
@@ -5025,14 +5025,14 @@
               <p:nvPr/>
             </p:nvPicPr>
             <p:blipFill>
-              <a:blip r:embed="rId6"/>
+              <a:blip r:embed="rId5"/>
               <a:stretch>
                 <a:fillRect/>
               </a:stretch>
             </p:blipFill>
             <p:spPr>
               <a:xfrm>
-                <a:off x="1335240" y="6437472"/>
+                <a:off x="1334880" y="6416690"/>
                 <a:ext cx="1497960" cy="327960"/>
               </a:xfrm>
               <a:prstGeom prst="rect">
@@ -5042,11 +5042,11 @@
           </p:pic>
         </mc:Fallback>
       </mc:AlternateContent>
-      <mc:AlternateContent xmlns:mc="http://schemas.openxmlformats.org/markup-compatibility/2006" xmlns:p14="http://schemas.microsoft.com/office/powerpoint/2010/main">
-        <mc:Choice Requires="p14">
-          <p:contentPart p14:bwMode="auto" r:id="rId7">
+      <mc:AlternateContent xmlns:mc="http://schemas.openxmlformats.org/markup-compatibility/2006">
+        <mc:Choice xmlns:p14="http://schemas.microsoft.com/office/powerpoint/2010/main" Requires="p14">
+          <p:contentPart p14:bwMode="auto" r:id="rId6">
             <p14:nvContentPartPr>
-              <p14:cNvPr id="7" name="Ink 6">
+              <p14:cNvPr id="7" name="Ink 6" hidden="1">
                 <a:extLst>
                   <a:ext uri="{FF2B5EF4-FFF2-40B4-BE49-F238E27FC236}">
                     <a16:creationId xmlns:a16="http://schemas.microsoft.com/office/drawing/2014/main" id="{90DC8B94-332B-48F1-BD44-5D8DC140F977}"/>
@@ -5062,10 +5062,10 @@
             </p14:xfrm>
           </p:contentPart>
         </mc:Choice>
-        <mc:Fallback xmlns="">
+        <mc:Fallback>
           <p:pic>
             <p:nvPicPr>
-              <p:cNvPr id="7" name="Ink 6">
+              <p:cNvPr id="7" name="Ink 6" hidden="1">
                 <a:extLst>
                   <a:ext uri="{FF2B5EF4-FFF2-40B4-BE49-F238E27FC236}">
                     <a16:creationId xmlns:a16="http://schemas.microsoft.com/office/drawing/2014/main" id="{90DC8B94-332B-48F1-BD44-5D8DC140F977}"/>
@@ -5076,7 +5076,7 @@
               <p:nvPr/>
             </p:nvPicPr>
             <p:blipFill>
-              <a:blip r:embed="rId8"/>
+              <a:blip r:embed="rId7"/>
               <a:stretch>
                 <a:fillRect/>
               </a:stretch>
@@ -5093,11 +5093,11 @@
           </p:pic>
         </mc:Fallback>
       </mc:AlternateContent>
-      <mc:AlternateContent xmlns:mc="http://schemas.openxmlformats.org/markup-compatibility/2006" xmlns:p14="http://schemas.microsoft.com/office/powerpoint/2010/main">
-        <mc:Choice Requires="p14">
-          <p:contentPart p14:bwMode="auto" r:id="rId9">
+      <mc:AlternateContent xmlns:mc="http://schemas.openxmlformats.org/markup-compatibility/2006">
+        <mc:Choice xmlns:p14="http://schemas.microsoft.com/office/powerpoint/2010/main" Requires="p14">
+          <p:contentPart p14:bwMode="auto" r:id="rId8">
             <p14:nvContentPartPr>
-              <p14:cNvPr id="8" name="Ink 7">
+              <p14:cNvPr id="8" name="Ink 7" hidden="1">
                 <a:extLst>
                   <a:ext uri="{FF2B5EF4-FFF2-40B4-BE49-F238E27FC236}">
                     <a16:creationId xmlns:a16="http://schemas.microsoft.com/office/drawing/2014/main" id="{E975E1FA-D9DC-4E9B-96CB-AF4B208FDD0D}"/>
@@ -5113,10 +5113,10 @@
             </p14:xfrm>
           </p:contentPart>
         </mc:Choice>
-        <mc:Fallback xmlns="">
+        <mc:Fallback>
           <p:pic>
             <p:nvPicPr>
-              <p:cNvPr id="8" name="Ink 7">
+              <p:cNvPr id="8" name="Ink 7" hidden="1">
                 <a:extLst>
                   <a:ext uri="{FF2B5EF4-FFF2-40B4-BE49-F238E27FC236}">
                     <a16:creationId xmlns:a16="http://schemas.microsoft.com/office/drawing/2014/main" id="{E975E1FA-D9DC-4E9B-96CB-AF4B208FDD0D}"/>
@@ -5127,14 +5127,14 @@
               <p:nvPr/>
             </p:nvPicPr>
             <p:blipFill>
-              <a:blip r:embed="rId8"/>
+              <a:blip r:embed="rId7"/>
               <a:stretch>
                 <a:fillRect/>
               </a:stretch>
             </p:blipFill>
             <p:spPr>
               <a:xfrm>
-                <a:off x="2115720" y="6475272"/>
+                <a:off x="2115720" y="6474912"/>
                 <a:ext cx="108000" cy="216000"/>
               </a:xfrm>
               <a:prstGeom prst="rect">
@@ -5144,11 +5144,11 @@
           </p:pic>
         </mc:Fallback>
       </mc:AlternateContent>
-      <mc:AlternateContent xmlns:mc="http://schemas.openxmlformats.org/markup-compatibility/2006" xmlns:p14="http://schemas.microsoft.com/office/powerpoint/2010/main">
-        <mc:Choice Requires="p14">
-          <p:contentPart p14:bwMode="auto" r:id="rId10">
+      <mc:AlternateContent xmlns:mc="http://schemas.openxmlformats.org/markup-compatibility/2006">
+        <mc:Choice xmlns:p14="http://schemas.microsoft.com/office/powerpoint/2010/main" Requires="p14">
+          <p:contentPart p14:bwMode="auto" r:id="rId9">
             <p14:nvContentPartPr>
-              <p14:cNvPr id="9" name="Ink 8">
+              <p14:cNvPr id="9" name="Ink 8" hidden="1">
                 <a:extLst>
                   <a:ext uri="{FF2B5EF4-FFF2-40B4-BE49-F238E27FC236}">
                     <a16:creationId xmlns:a16="http://schemas.microsoft.com/office/drawing/2014/main" id="{454E5C77-5960-45F2-A8F4-437BBCEB11F6}"/>
@@ -5164,10 +5164,10 @@
             </p14:xfrm>
           </p:contentPart>
         </mc:Choice>
-        <mc:Fallback xmlns="">
+        <mc:Fallback>
           <p:pic>
             <p:nvPicPr>
-              <p:cNvPr id="9" name="Ink 8">
+              <p:cNvPr id="9" name="Ink 8" hidden="1">
                 <a:extLst>
                   <a:ext uri="{FF2B5EF4-FFF2-40B4-BE49-F238E27FC236}">
                     <a16:creationId xmlns:a16="http://schemas.microsoft.com/office/drawing/2014/main" id="{454E5C77-5960-45F2-A8F4-437BBCEB11F6}"/>
@@ -5178,14 +5178,14 @@
               <p:nvPr/>
             </p:nvPicPr>
             <p:blipFill>
-              <a:blip r:embed="rId8"/>
+              <a:blip r:embed="rId7"/>
               <a:stretch>
                 <a:fillRect/>
               </a:stretch>
             </p:blipFill>
             <p:spPr>
               <a:xfrm>
-                <a:off x="2115720" y="6475272"/>
+                <a:off x="2115720" y="6474912"/>
                 <a:ext cx="108000" cy="216000"/>
               </a:xfrm>
               <a:prstGeom prst="rect">
@@ -5195,11 +5195,11 @@
           </p:pic>
         </mc:Fallback>
       </mc:AlternateContent>
-      <mc:AlternateContent xmlns:mc="http://schemas.openxmlformats.org/markup-compatibility/2006" xmlns:p14="http://schemas.microsoft.com/office/powerpoint/2010/main">
-        <mc:Choice Requires="p14">
-          <p:contentPart p14:bwMode="auto" r:id="rId11">
+      <mc:AlternateContent xmlns:mc="http://schemas.openxmlformats.org/markup-compatibility/2006">
+        <mc:Choice xmlns:p14="http://schemas.microsoft.com/office/powerpoint/2010/main" Requires="p14">
+          <p:contentPart p14:bwMode="auto" r:id="rId10">
             <p14:nvContentPartPr>
-              <p14:cNvPr id="10" name="Ink 9">
+              <p14:cNvPr id="10" name="Ink 9" hidden="1">
                 <a:extLst>
                   <a:ext uri="{FF2B5EF4-FFF2-40B4-BE49-F238E27FC236}">
                     <a16:creationId xmlns:a16="http://schemas.microsoft.com/office/drawing/2014/main" id="{0599CA86-0AA4-43B0-9BD8-C408990EDF1F}"/>
@@ -5215,10 +5215,10 @@
             </p14:xfrm>
           </p:contentPart>
         </mc:Choice>
-        <mc:Fallback xmlns="">
+        <mc:Fallback>
           <p:pic>
             <p:nvPicPr>
-              <p:cNvPr id="10" name="Ink 9">
+              <p:cNvPr id="10" name="Ink 9" hidden="1">
                 <a:extLst>
                   <a:ext uri="{FF2B5EF4-FFF2-40B4-BE49-F238E27FC236}">
                     <a16:creationId xmlns:a16="http://schemas.microsoft.com/office/drawing/2014/main" id="{0599CA86-0AA4-43B0-9BD8-C408990EDF1F}"/>
@@ -5229,14 +5229,14 @@
               <p:nvPr/>
             </p:nvPicPr>
             <p:blipFill>
-              <a:blip r:embed="rId8"/>
+              <a:blip r:embed="rId7"/>
               <a:stretch>
                 <a:fillRect/>
               </a:stretch>
             </p:blipFill>
             <p:spPr>
               <a:xfrm>
-                <a:off x="2115720" y="6475272"/>
+                <a:off x="2115720" y="6474912"/>
                 <a:ext cx="108000" cy="216000"/>
               </a:xfrm>
               <a:prstGeom prst="rect">
@@ -5246,11 +5246,11 @@
           </p:pic>
         </mc:Fallback>
       </mc:AlternateContent>
-      <mc:AlternateContent xmlns:mc="http://schemas.openxmlformats.org/markup-compatibility/2006" xmlns:p14="http://schemas.microsoft.com/office/powerpoint/2010/main">
-        <mc:Choice Requires="p14">
-          <p:contentPart p14:bwMode="auto" r:id="rId12">
+      <mc:AlternateContent xmlns:mc="http://schemas.openxmlformats.org/markup-compatibility/2006">
+        <mc:Choice xmlns:p14="http://schemas.microsoft.com/office/powerpoint/2010/main" Requires="p14">
+          <p:contentPart p14:bwMode="auto" r:id="rId11">
             <p14:nvContentPartPr>
-              <p14:cNvPr id="13" name="Ink 12">
+              <p14:cNvPr id="13" name="Ink 12" hidden="1">
                 <a:extLst>
                   <a:ext uri="{FF2B5EF4-FFF2-40B4-BE49-F238E27FC236}">
                     <a16:creationId xmlns:a16="http://schemas.microsoft.com/office/drawing/2014/main" id="{F01B0B0D-23C0-406D-81B1-53560BEA6080}"/>
@@ -5266,10 +5266,10 @@
             </p14:xfrm>
           </p:contentPart>
         </mc:Choice>
-        <mc:Fallback xmlns="">
+        <mc:Fallback>
           <p:pic>
             <p:nvPicPr>
-              <p:cNvPr id="13" name="Ink 12">
+              <p:cNvPr id="13" name="Ink 12" hidden="1">
                 <a:extLst>
                   <a:ext uri="{FF2B5EF4-FFF2-40B4-BE49-F238E27FC236}">
                     <a16:creationId xmlns:a16="http://schemas.microsoft.com/office/drawing/2014/main" id="{F01B0B0D-23C0-406D-81B1-53560BEA6080}"/>
@@ -5280,15 +5280,15 @@
               <p:nvPr/>
             </p:nvPicPr>
             <p:blipFill>
-              <a:blip r:embed="rId16"/>
+              <a:blip r:embed="rId12"/>
               <a:stretch>
                 <a:fillRect/>
               </a:stretch>
             </p:blipFill>
             <p:spPr>
               <a:xfrm>
-                <a:off x="-1602000" y="4886496"/>
-                <a:ext cx="180000" cy="364680"/>
+                <a:off x="-1602000" y="4898496"/>
+                <a:ext cx="180000" cy="340704"/>
               </a:xfrm>
               <a:prstGeom prst="rect">
                 <a:avLst/>
@@ -5297,11 +5297,11 @@
           </p:pic>
         </mc:Fallback>
       </mc:AlternateContent>
-      <mc:AlternateContent xmlns:mc="http://schemas.openxmlformats.org/markup-compatibility/2006" xmlns:p14="http://schemas.microsoft.com/office/powerpoint/2010/main">
-        <mc:Choice Requires="p14">
-          <p:contentPart p14:bwMode="auto" r:id="rId17">
+      <mc:AlternateContent xmlns:mc="http://schemas.openxmlformats.org/markup-compatibility/2006">
+        <mc:Choice xmlns:p14="http://schemas.microsoft.com/office/powerpoint/2010/main" Requires="p14">
+          <p:contentPart p14:bwMode="auto" r:id="rId13">
             <p14:nvContentPartPr>
-              <p14:cNvPr id="14" name="Ink 13">
+              <p14:cNvPr id="14" name="Ink 13" hidden="1">
                 <a:extLst>
                   <a:ext uri="{FF2B5EF4-FFF2-40B4-BE49-F238E27FC236}">
                     <a16:creationId xmlns:a16="http://schemas.microsoft.com/office/drawing/2014/main" id="{0E36B71F-8617-4B05-A565-CA68910B66AF}"/>
@@ -5317,10 +5317,10 @@
             </p14:xfrm>
           </p:contentPart>
         </mc:Choice>
-        <mc:Fallback xmlns="">
+        <mc:Fallback>
           <p:pic>
             <p:nvPicPr>
-              <p:cNvPr id="14" name="Ink 13">
+              <p:cNvPr id="14" name="Ink 13" hidden="1">
                 <a:extLst>
                   <a:ext uri="{FF2B5EF4-FFF2-40B4-BE49-F238E27FC236}">
                     <a16:creationId xmlns:a16="http://schemas.microsoft.com/office/drawing/2014/main" id="{0E36B71F-8617-4B05-A565-CA68910B66AF}"/>
@@ -5331,14 +5331,14 @@
               <p:nvPr/>
             </p:nvPicPr>
             <p:blipFill>
-              <a:blip r:embed="rId18"/>
+              <a:blip r:embed="rId14"/>
               <a:stretch>
                 <a:fillRect/>
               </a:stretch>
             </p:blipFill>
             <p:spPr>
               <a:xfrm>
-                <a:off x="2908800" y="855936"/>
+                <a:off x="2908440" y="855936"/>
                 <a:ext cx="180000" cy="360000"/>
               </a:xfrm>
               <a:prstGeom prst="rect">
@@ -5348,11 +5348,11 @@
           </p:pic>
         </mc:Fallback>
       </mc:AlternateContent>
-      <mc:AlternateContent xmlns:mc="http://schemas.openxmlformats.org/markup-compatibility/2006" xmlns:p14="http://schemas.microsoft.com/office/powerpoint/2010/main">
-        <mc:Choice Requires="p14">
-          <p:contentPart p14:bwMode="auto" r:id="rId19">
+      <mc:AlternateContent xmlns:mc="http://schemas.openxmlformats.org/markup-compatibility/2006">
+        <mc:Choice xmlns:p14="http://schemas.microsoft.com/office/powerpoint/2010/main" Requires="p14">
+          <p:contentPart p14:bwMode="auto" r:id="rId15">
             <p14:nvContentPartPr>
-              <p14:cNvPr id="15" name="Ink 14">
+              <p14:cNvPr id="15" name="Ink 14" hidden="1">
                 <a:extLst>
                   <a:ext uri="{FF2B5EF4-FFF2-40B4-BE49-F238E27FC236}">
                     <a16:creationId xmlns:a16="http://schemas.microsoft.com/office/drawing/2014/main" id="{C3E9255F-D54C-4938-861C-0719B95285A6}"/>
@@ -5368,10 +5368,10 @@
             </p14:xfrm>
           </p:contentPart>
         </mc:Choice>
-        <mc:Fallback xmlns="">
+        <mc:Fallback>
           <p:pic>
             <p:nvPicPr>
-              <p:cNvPr id="15" name="Ink 14">
+              <p:cNvPr id="15" name="Ink 14" hidden="1">
                 <a:extLst>
                   <a:ext uri="{FF2B5EF4-FFF2-40B4-BE49-F238E27FC236}">
                     <a16:creationId xmlns:a16="http://schemas.microsoft.com/office/drawing/2014/main" id="{C3E9255F-D54C-4938-861C-0719B95285A6}"/>
@@ -5382,14 +5382,14 @@
               <p:nvPr/>
             </p:nvPicPr>
             <p:blipFill>
-              <a:blip r:embed="rId18"/>
+              <a:blip r:embed="rId14"/>
               <a:stretch>
                 <a:fillRect/>
               </a:stretch>
             </p:blipFill>
             <p:spPr>
               <a:xfrm>
-                <a:off x="2908800" y="855936"/>
+                <a:off x="2908440" y="855936"/>
                 <a:ext cx="180000" cy="360000"/>
               </a:xfrm>
               <a:prstGeom prst="rect">
@@ -5399,11 +5399,11 @@
           </p:pic>
         </mc:Fallback>
       </mc:AlternateContent>
-      <mc:AlternateContent xmlns:mc="http://schemas.openxmlformats.org/markup-compatibility/2006" xmlns:p14="http://schemas.microsoft.com/office/powerpoint/2010/main">
-        <mc:Choice Requires="p14">
-          <p:contentPart p14:bwMode="auto" r:id="rId20">
+      <mc:AlternateContent xmlns:mc="http://schemas.openxmlformats.org/markup-compatibility/2006">
+        <mc:Choice xmlns:p14="http://schemas.microsoft.com/office/powerpoint/2010/main" Requires="p14">
+          <p:contentPart p14:bwMode="auto" r:id="rId16">
             <p14:nvContentPartPr>
-              <p14:cNvPr id="16" name="Ink 15">
+              <p14:cNvPr id="16" name="Ink 15" hidden="1">
                 <a:extLst>
                   <a:ext uri="{FF2B5EF4-FFF2-40B4-BE49-F238E27FC236}">
                     <a16:creationId xmlns:a16="http://schemas.microsoft.com/office/drawing/2014/main" id="{63A7B024-B577-4CAE-BEB0-A6669B501358}"/>
@@ -5419,10 +5419,10 @@
             </p14:xfrm>
           </p:contentPart>
         </mc:Choice>
-        <mc:Fallback xmlns="">
+        <mc:Fallback>
           <p:pic>
             <p:nvPicPr>
-              <p:cNvPr id="16" name="Ink 15">
+              <p:cNvPr id="16" name="Ink 15" hidden="1">
                 <a:extLst>
                   <a:ext uri="{FF2B5EF4-FFF2-40B4-BE49-F238E27FC236}">
                     <a16:creationId xmlns:a16="http://schemas.microsoft.com/office/drawing/2014/main" id="{63A7B024-B577-4CAE-BEB0-A6669B501358}"/>
@@ -5433,14 +5433,14 @@
               <p:nvPr/>
             </p:nvPicPr>
             <p:blipFill>
-              <a:blip r:embed="rId21"/>
+              <a:blip r:embed="rId17"/>
               <a:stretch>
                 <a:fillRect/>
               </a:stretch>
             </p:blipFill>
             <p:spPr>
               <a:xfrm>
-                <a:off x="2904120" y="855936"/>
+                <a:off x="2903760" y="855936"/>
                 <a:ext cx="184680" cy="360000"/>
               </a:xfrm>
               <a:prstGeom prst="rect">
@@ -5450,11 +5450,11 @@
           </p:pic>
         </mc:Fallback>
       </mc:AlternateContent>
-      <mc:AlternateContent xmlns:mc="http://schemas.openxmlformats.org/markup-compatibility/2006" xmlns:p14="http://schemas.microsoft.com/office/powerpoint/2010/main">
-        <mc:Choice Requires="p14">
-          <p:contentPart p14:bwMode="auto" r:id="rId22">
+      <mc:AlternateContent xmlns:mc="http://schemas.openxmlformats.org/markup-compatibility/2006">
+        <mc:Choice xmlns:p14="http://schemas.microsoft.com/office/powerpoint/2010/main" Requires="p14">
+          <p:contentPart p14:bwMode="auto" r:id="rId18">
             <p14:nvContentPartPr>
-              <p14:cNvPr id="17" name="Ink 16">
+              <p14:cNvPr id="17" name="Ink 16" hidden="1">
                 <a:extLst>
                   <a:ext uri="{FF2B5EF4-FFF2-40B4-BE49-F238E27FC236}">
                     <a16:creationId xmlns:a16="http://schemas.microsoft.com/office/drawing/2014/main" id="{E0A5D064-5764-4BC6-889A-E61EBBCB274B}"/>
@@ -5470,10 +5470,10 @@
             </p14:xfrm>
           </p:contentPart>
         </mc:Choice>
-        <mc:Fallback xmlns="">
+        <mc:Fallback>
           <p:pic>
             <p:nvPicPr>
-              <p:cNvPr id="17" name="Ink 16">
+              <p:cNvPr id="17" name="Ink 16" hidden="1">
                 <a:extLst>
                   <a:ext uri="{FF2B5EF4-FFF2-40B4-BE49-F238E27FC236}">
                     <a16:creationId xmlns:a16="http://schemas.microsoft.com/office/drawing/2014/main" id="{E0A5D064-5764-4BC6-889A-E61EBBCB274B}"/>
@@ -5484,14 +5484,14 @@
               <p:nvPr/>
             </p:nvPicPr>
             <p:blipFill>
-              <a:blip r:embed="rId18"/>
+              <a:blip r:embed="rId14"/>
               <a:stretch>
                 <a:fillRect/>
               </a:stretch>
             </p:blipFill>
             <p:spPr>
               <a:xfrm>
-                <a:off x="3640320" y="770616"/>
+                <a:off x="3639960" y="770616"/>
                 <a:ext cx="180000" cy="360000"/>
               </a:xfrm>
               <a:prstGeom prst="rect">
@@ -5501,11 +5501,11 @@
           </p:pic>
         </mc:Fallback>
       </mc:AlternateContent>
-      <mc:AlternateContent xmlns:mc="http://schemas.openxmlformats.org/markup-compatibility/2006" xmlns:p14="http://schemas.microsoft.com/office/powerpoint/2010/main">
-        <mc:Choice Requires="p14">
-          <p:contentPart p14:bwMode="auto" r:id="rId23">
+      <mc:AlternateContent xmlns:mc="http://schemas.openxmlformats.org/markup-compatibility/2006">
+        <mc:Choice xmlns:p14="http://schemas.microsoft.com/office/powerpoint/2010/main" Requires="p14">
+          <p:contentPart p14:bwMode="auto" r:id="rId19">
             <p14:nvContentPartPr>
-              <p14:cNvPr id="18" name="Ink 17">
+              <p14:cNvPr id="18" name="Ink 17" hidden="1">
                 <a:extLst>
                   <a:ext uri="{FF2B5EF4-FFF2-40B4-BE49-F238E27FC236}">
                     <a16:creationId xmlns:a16="http://schemas.microsoft.com/office/drawing/2014/main" id="{2CB02C25-2F1E-43D4-A77C-3F295035E347}"/>
@@ -5521,10 +5521,10 @@
             </p14:xfrm>
           </p:contentPart>
         </mc:Choice>
-        <mc:Fallback xmlns="">
+        <mc:Fallback>
           <p:pic>
             <p:nvPicPr>
-              <p:cNvPr id="18" name="Ink 17">
+              <p:cNvPr id="18" name="Ink 17" hidden="1">
                 <a:extLst>
                   <a:ext uri="{FF2B5EF4-FFF2-40B4-BE49-F238E27FC236}">
                     <a16:creationId xmlns:a16="http://schemas.microsoft.com/office/drawing/2014/main" id="{2CB02C25-2F1E-43D4-A77C-3F295035E347}"/>
@@ -5535,14 +5535,14 @@
               <p:nvPr/>
             </p:nvPicPr>
             <p:blipFill>
-              <a:blip r:embed="rId18"/>
+              <a:blip r:embed="rId14"/>
               <a:stretch>
                 <a:fillRect/>
               </a:stretch>
             </p:blipFill>
             <p:spPr>
               <a:xfrm>
-                <a:off x="3530880" y="868176"/>
+                <a:off x="3530520" y="867816"/>
                 <a:ext cx="180000" cy="360000"/>
               </a:xfrm>
               <a:prstGeom prst="rect">
@@ -5552,11 +5552,11 @@
           </p:pic>
         </mc:Fallback>
       </mc:AlternateContent>
-      <mc:AlternateContent xmlns:mc="http://schemas.openxmlformats.org/markup-compatibility/2006" xmlns:p14="http://schemas.microsoft.com/office/powerpoint/2010/main">
-        <mc:Choice Requires="p14">
-          <p:contentPart p14:bwMode="auto" r:id="rId24">
+      <mc:AlternateContent xmlns:mc="http://schemas.openxmlformats.org/markup-compatibility/2006">
+        <mc:Choice xmlns:p14="http://schemas.microsoft.com/office/powerpoint/2010/main" Requires="p14">
+          <p:contentPart p14:bwMode="auto" r:id="rId20">
             <p14:nvContentPartPr>
-              <p14:cNvPr id="19" name="Ink 18">
+              <p14:cNvPr id="19" name="Ink 18" hidden="1">
                 <a:extLst>
                   <a:ext uri="{FF2B5EF4-FFF2-40B4-BE49-F238E27FC236}">
                     <a16:creationId xmlns:a16="http://schemas.microsoft.com/office/drawing/2014/main" id="{4BA54EC1-BC0A-44CE-B6F6-610C5C43FEAF}"/>
@@ -5572,10 +5572,10 @@
             </p14:xfrm>
           </p:contentPart>
         </mc:Choice>
-        <mc:Fallback xmlns="">
+        <mc:Fallback>
           <p:pic>
             <p:nvPicPr>
-              <p:cNvPr id="19" name="Ink 18">
+              <p:cNvPr id="19" name="Ink 18" hidden="1">
                 <a:extLst>
                   <a:ext uri="{FF2B5EF4-FFF2-40B4-BE49-F238E27FC236}">
                     <a16:creationId xmlns:a16="http://schemas.microsoft.com/office/drawing/2014/main" id="{4BA54EC1-BC0A-44CE-B6F6-610C5C43FEAF}"/>
@@ -5586,7 +5586,7 @@
               <p:nvPr/>
             </p:nvPicPr>
             <p:blipFill>
-              <a:blip r:embed="rId18"/>
+              <a:blip r:embed="rId14"/>
               <a:stretch>
                 <a:fillRect/>
               </a:stretch>
@@ -5603,11 +5603,11 @@
           </p:pic>
         </mc:Fallback>
       </mc:AlternateContent>
-      <mc:AlternateContent xmlns:mc="http://schemas.openxmlformats.org/markup-compatibility/2006" xmlns:p14="http://schemas.microsoft.com/office/powerpoint/2010/main">
-        <mc:Choice Requires="p14">
-          <p:contentPart p14:bwMode="auto" r:id="rId25">
+      <mc:AlternateContent xmlns:mc="http://schemas.openxmlformats.org/markup-compatibility/2006">
+        <mc:Choice xmlns:p14="http://schemas.microsoft.com/office/powerpoint/2010/main" Requires="p14">
+          <p:contentPart p14:bwMode="auto" r:id="rId21">
             <p14:nvContentPartPr>
-              <p14:cNvPr id="20" name="Ink 19">
+              <p14:cNvPr id="20" name="Ink 19" hidden="1">
                 <a:extLst>
                   <a:ext uri="{FF2B5EF4-FFF2-40B4-BE49-F238E27FC236}">
                     <a16:creationId xmlns:a16="http://schemas.microsoft.com/office/drawing/2014/main" id="{A047CCDF-AC55-4CA2-8CC2-5DEAB5DBDA79}"/>
@@ -5623,10 +5623,10 @@
             </p14:xfrm>
           </p:contentPart>
         </mc:Choice>
-        <mc:Fallback xmlns="">
+        <mc:Fallback>
           <p:pic>
             <p:nvPicPr>
-              <p:cNvPr id="20" name="Ink 19">
+              <p:cNvPr id="20" name="Ink 19" hidden="1">
                 <a:extLst>
                   <a:ext uri="{FF2B5EF4-FFF2-40B4-BE49-F238E27FC236}">
                     <a16:creationId xmlns:a16="http://schemas.microsoft.com/office/drawing/2014/main" id="{A047CCDF-AC55-4CA2-8CC2-5DEAB5DBDA79}"/>
@@ -5637,14 +5637,14 @@
               <p:nvPr/>
             </p:nvPicPr>
             <p:blipFill>
-              <a:blip r:embed="rId18"/>
+              <a:blip r:embed="rId14"/>
               <a:stretch>
                 <a:fillRect/>
               </a:stretch>
             </p:blipFill>
             <p:spPr>
               <a:xfrm>
-                <a:off x="7041960" y="2331216"/>
+                <a:off x="7041960" y="2330856"/>
                 <a:ext cx="180000" cy="360000"/>
               </a:xfrm>
               <a:prstGeom prst="rect">
@@ -5654,11 +5654,11 @@
           </p:pic>
         </mc:Fallback>
       </mc:AlternateContent>
-      <mc:AlternateContent xmlns:mc="http://schemas.openxmlformats.org/markup-compatibility/2006" xmlns:p14="http://schemas.microsoft.com/office/powerpoint/2010/main">
-        <mc:Choice Requires="p14">
-          <p:contentPart p14:bwMode="auto" r:id="rId26">
+      <mc:AlternateContent xmlns:mc="http://schemas.openxmlformats.org/markup-compatibility/2006">
+        <mc:Choice xmlns:p14="http://schemas.microsoft.com/office/powerpoint/2010/main" Requires="p14">
+          <p:contentPart p14:bwMode="auto" r:id="rId22">
             <p14:nvContentPartPr>
-              <p14:cNvPr id="21" name="Ink 20">
+              <p14:cNvPr id="21" name="Ink 20" hidden="1">
                 <a:extLst>
                   <a:ext uri="{FF2B5EF4-FFF2-40B4-BE49-F238E27FC236}">
                     <a16:creationId xmlns:a16="http://schemas.microsoft.com/office/drawing/2014/main" id="{5C113320-A213-4066-90BD-CDA6F321CA37}"/>
@@ -5674,10 +5674,10 @@
             </p14:xfrm>
           </p:contentPart>
         </mc:Choice>
-        <mc:Fallback xmlns="">
+        <mc:Fallback>
           <p:pic>
             <p:nvPicPr>
-              <p:cNvPr id="21" name="Ink 20">
+              <p:cNvPr id="21" name="Ink 20" hidden="1">
                 <a:extLst>
                   <a:ext uri="{FF2B5EF4-FFF2-40B4-BE49-F238E27FC236}">
                     <a16:creationId xmlns:a16="http://schemas.microsoft.com/office/drawing/2014/main" id="{5C113320-A213-4066-90BD-CDA6F321CA37}"/>
@@ -5688,7 +5688,7 @@
               <p:nvPr/>
             </p:nvPicPr>
             <p:blipFill>
-              <a:blip r:embed="rId18"/>
+              <a:blip r:embed="rId14"/>
               <a:stretch>
                 <a:fillRect/>
               </a:stretch>
@@ -5705,11 +5705,11 @@
           </p:pic>
         </mc:Fallback>
       </mc:AlternateContent>
-      <mc:AlternateContent xmlns:mc="http://schemas.openxmlformats.org/markup-compatibility/2006" xmlns:p14="http://schemas.microsoft.com/office/powerpoint/2010/main">
-        <mc:Choice Requires="p14">
-          <p:contentPart p14:bwMode="auto" r:id="rId27">
+      <mc:AlternateContent xmlns:mc="http://schemas.openxmlformats.org/markup-compatibility/2006">
+        <mc:Choice xmlns:p14="http://schemas.microsoft.com/office/powerpoint/2010/main" Requires="p14">
+          <p:contentPart p14:bwMode="auto" r:id="rId23">
             <p14:nvContentPartPr>
-              <p14:cNvPr id="22" name="Ink 21">
+              <p14:cNvPr id="22" name="Ink 21" hidden="1">
                 <a:extLst>
                   <a:ext uri="{FF2B5EF4-FFF2-40B4-BE49-F238E27FC236}">
                     <a16:creationId xmlns:a16="http://schemas.microsoft.com/office/drawing/2014/main" id="{E393B7F9-52EB-4DF0-9F3C-D38FF4077920}"/>
@@ -5725,10 +5725,10 @@
             </p14:xfrm>
           </p:contentPart>
         </mc:Choice>
-        <mc:Fallback xmlns="">
+        <mc:Fallback>
           <p:pic>
             <p:nvPicPr>
-              <p:cNvPr id="22" name="Ink 21">
+              <p:cNvPr id="22" name="Ink 21" hidden="1">
                 <a:extLst>
                   <a:ext uri="{FF2B5EF4-FFF2-40B4-BE49-F238E27FC236}">
                     <a16:creationId xmlns:a16="http://schemas.microsoft.com/office/drawing/2014/main" id="{E393B7F9-52EB-4DF0-9F3C-D38FF4077920}"/>
@@ -5739,14 +5739,14 @@
               <p:nvPr/>
             </p:nvPicPr>
             <p:blipFill>
-              <a:blip r:embed="rId18"/>
+              <a:blip r:embed="rId14"/>
               <a:stretch>
                 <a:fillRect/>
               </a:stretch>
             </p:blipFill>
             <p:spPr>
               <a:xfrm>
-                <a:off x="-2016720" y="3782016"/>
+                <a:off x="-2016720" y="3781656"/>
                 <a:ext cx="180000" cy="360000"/>
               </a:xfrm>
               <a:prstGeom prst="rect">
@@ -5756,11 +5756,11 @@
           </p:pic>
         </mc:Fallback>
       </mc:AlternateContent>
-      <mc:AlternateContent xmlns:mc="http://schemas.openxmlformats.org/markup-compatibility/2006" xmlns:p14="http://schemas.microsoft.com/office/powerpoint/2010/main">
-        <mc:Choice Requires="p14">
-          <p:contentPart p14:bwMode="auto" r:id="rId28">
+      <mc:AlternateContent xmlns:mc="http://schemas.openxmlformats.org/markup-compatibility/2006">
+        <mc:Choice xmlns:p14="http://schemas.microsoft.com/office/powerpoint/2010/main" Requires="p14">
+          <p:contentPart p14:bwMode="auto" r:id="rId24">
             <p14:nvContentPartPr>
-              <p14:cNvPr id="23" name="Ink 22">
+              <p14:cNvPr id="23" name="Ink 22" hidden="1">
                 <a:extLst>
                   <a:ext uri="{FF2B5EF4-FFF2-40B4-BE49-F238E27FC236}">
                     <a16:creationId xmlns:a16="http://schemas.microsoft.com/office/drawing/2014/main" id="{34B2D232-CEF5-419B-B1A5-8DBEA2B7E54F}"/>
@@ -5776,10 +5776,10 @@
             </p14:xfrm>
           </p:contentPart>
         </mc:Choice>
-        <mc:Fallback xmlns="">
+        <mc:Fallback>
           <p:pic>
             <p:nvPicPr>
-              <p:cNvPr id="23" name="Ink 22">
+              <p:cNvPr id="23" name="Ink 22" hidden="1">
                 <a:extLst>
                   <a:ext uri="{FF2B5EF4-FFF2-40B4-BE49-F238E27FC236}">
                     <a16:creationId xmlns:a16="http://schemas.microsoft.com/office/drawing/2014/main" id="{34B2D232-CEF5-419B-B1A5-8DBEA2B7E54F}"/>
@@ -5790,14 +5790,14 @@
               <p:nvPr/>
             </p:nvPicPr>
             <p:blipFill>
-              <a:blip r:embed="rId18"/>
+              <a:blip r:embed="rId14"/>
               <a:stretch>
                 <a:fillRect/>
               </a:stretch>
             </p:blipFill>
             <p:spPr>
               <a:xfrm>
-                <a:off x="-1138680" y="3038256"/>
+                <a:off x="-1139040" y="3038256"/>
                 <a:ext cx="180000" cy="360000"/>
               </a:xfrm>
               <a:prstGeom prst="rect">
@@ -5807,11 +5807,11 @@
           </p:pic>
         </mc:Fallback>
       </mc:AlternateContent>
-      <mc:AlternateContent xmlns:mc="http://schemas.openxmlformats.org/markup-compatibility/2006" xmlns:p14="http://schemas.microsoft.com/office/powerpoint/2010/main">
-        <mc:Choice Requires="p14">
-          <p:contentPart p14:bwMode="auto" r:id="rId29">
+      <mc:AlternateContent xmlns:mc="http://schemas.openxmlformats.org/markup-compatibility/2006">
+        <mc:Choice xmlns:p14="http://schemas.microsoft.com/office/powerpoint/2010/main" Requires="p14">
+          <p:contentPart p14:bwMode="auto" r:id="rId25">
             <p14:nvContentPartPr>
-              <p14:cNvPr id="24" name="Ink 23">
+              <p14:cNvPr id="24" name="Ink 23" hidden="1">
                 <a:extLst>
                   <a:ext uri="{FF2B5EF4-FFF2-40B4-BE49-F238E27FC236}">
                     <a16:creationId xmlns:a16="http://schemas.microsoft.com/office/drawing/2014/main" id="{362E2CCD-E783-4EB0-A449-D3A45EEDACA1}"/>
@@ -5827,10 +5827,10 @@
             </p14:xfrm>
           </p:contentPart>
         </mc:Choice>
-        <mc:Fallback xmlns="">
+        <mc:Fallback>
           <p:pic>
             <p:nvPicPr>
-              <p:cNvPr id="24" name="Ink 23">
+              <p:cNvPr id="24" name="Ink 23" hidden="1">
                 <a:extLst>
                   <a:ext uri="{FF2B5EF4-FFF2-40B4-BE49-F238E27FC236}">
                     <a16:creationId xmlns:a16="http://schemas.microsoft.com/office/drawing/2014/main" id="{362E2CCD-E783-4EB0-A449-D3A45EEDACA1}"/>
@@ -5841,7 +5841,7 @@
               <p:nvPr/>
             </p:nvPicPr>
             <p:blipFill>
-              <a:blip r:embed="rId18"/>
+              <a:blip r:embed="rId14"/>
               <a:stretch>
                 <a:fillRect/>
               </a:stretch>
@@ -5858,11 +5858,11 @@
           </p:pic>
         </mc:Fallback>
       </mc:AlternateContent>
-      <mc:AlternateContent xmlns:mc="http://schemas.openxmlformats.org/markup-compatibility/2006" xmlns:p14="http://schemas.microsoft.com/office/powerpoint/2010/main">
-        <mc:Choice Requires="p14">
-          <p:contentPart p14:bwMode="auto" r:id="rId30">
+      <mc:AlternateContent xmlns:mc="http://schemas.openxmlformats.org/markup-compatibility/2006">
+        <mc:Choice xmlns:p14="http://schemas.microsoft.com/office/powerpoint/2010/main" Requires="p14">
+          <p:contentPart p14:bwMode="auto" r:id="rId26">
             <p14:nvContentPartPr>
-              <p14:cNvPr id="25" name="Ink 24">
+              <p14:cNvPr id="25" name="Ink 24" hidden="1">
                 <a:extLst>
                   <a:ext uri="{FF2B5EF4-FFF2-40B4-BE49-F238E27FC236}">
                     <a16:creationId xmlns:a16="http://schemas.microsoft.com/office/drawing/2014/main" id="{3A6B9D4B-B599-4E13-8CD4-9AE1EA05DD38}"/>
@@ -5878,10 +5878,10 @@
             </p14:xfrm>
           </p:contentPart>
         </mc:Choice>
-        <mc:Fallback xmlns="">
+        <mc:Fallback>
           <p:pic>
             <p:nvPicPr>
-              <p:cNvPr id="25" name="Ink 24">
+              <p:cNvPr id="25" name="Ink 24" hidden="1">
                 <a:extLst>
                   <a:ext uri="{FF2B5EF4-FFF2-40B4-BE49-F238E27FC236}">
                     <a16:creationId xmlns:a16="http://schemas.microsoft.com/office/drawing/2014/main" id="{3A6B9D4B-B599-4E13-8CD4-9AE1EA05DD38}"/>
@@ -5892,14 +5892,14 @@
               <p:nvPr/>
             </p:nvPicPr>
             <p:blipFill>
-              <a:blip r:embed="rId21"/>
+              <a:blip r:embed="rId17"/>
               <a:stretch>
                 <a:fillRect/>
               </a:stretch>
             </p:blipFill>
             <p:spPr>
               <a:xfrm>
-                <a:off x="1994760" y="843696"/>
+                <a:off x="1994400" y="843696"/>
                 <a:ext cx="184680" cy="360000"/>
               </a:xfrm>
               <a:prstGeom prst="rect">
@@ -5909,11 +5909,11 @@
           </p:pic>
         </mc:Fallback>
       </mc:AlternateContent>
-      <mc:AlternateContent xmlns:mc="http://schemas.openxmlformats.org/markup-compatibility/2006" xmlns:p14="http://schemas.microsoft.com/office/powerpoint/2010/main">
-        <mc:Choice Requires="p14">
-          <p:contentPart p14:bwMode="auto" r:id="rId31">
+      <mc:AlternateContent xmlns:mc="http://schemas.openxmlformats.org/markup-compatibility/2006">
+        <mc:Choice xmlns:p14="http://schemas.microsoft.com/office/powerpoint/2010/main" Requires="p14">
+          <p:contentPart p14:bwMode="auto" r:id="rId27">
             <p14:nvContentPartPr>
-              <p14:cNvPr id="26" name="Ink 25">
+              <p14:cNvPr id="26" name="Ink 25" hidden="1">
                 <a:extLst>
                   <a:ext uri="{FF2B5EF4-FFF2-40B4-BE49-F238E27FC236}">
                     <a16:creationId xmlns:a16="http://schemas.microsoft.com/office/drawing/2014/main" id="{915EBC98-2995-4202-8847-0A06CF184801}"/>
@@ -5929,10 +5929,10 @@
             </p14:xfrm>
           </p:contentPart>
         </mc:Choice>
-        <mc:Fallback xmlns="">
+        <mc:Fallback>
           <p:pic>
             <p:nvPicPr>
-              <p:cNvPr id="26" name="Ink 25">
+              <p:cNvPr id="26" name="Ink 25" hidden="1">
                 <a:extLst>
                   <a:ext uri="{FF2B5EF4-FFF2-40B4-BE49-F238E27FC236}">
                     <a16:creationId xmlns:a16="http://schemas.microsoft.com/office/drawing/2014/main" id="{915EBC98-2995-4202-8847-0A06CF184801}"/>
@@ -5943,14 +5943,14 @@
               <p:nvPr/>
             </p:nvPicPr>
             <p:blipFill>
-              <a:blip r:embed="rId18"/>
+              <a:blip r:embed="rId14"/>
               <a:stretch>
                 <a:fillRect/>
               </a:stretch>
             </p:blipFill>
             <p:spPr>
               <a:xfrm>
-                <a:off x="1897200" y="831816"/>
+                <a:off x="1897200" y="831456"/>
                 <a:ext cx="180000" cy="360000"/>
               </a:xfrm>
               <a:prstGeom prst="rect">
@@ -5960,11 +5960,11 @@
           </p:pic>
         </mc:Fallback>
       </mc:AlternateContent>
-      <mc:AlternateContent xmlns:mc="http://schemas.openxmlformats.org/markup-compatibility/2006" xmlns:p14="http://schemas.microsoft.com/office/powerpoint/2010/main">
-        <mc:Choice Requires="p14">
-          <p:contentPart p14:bwMode="auto" r:id="rId32">
+      <mc:AlternateContent xmlns:mc="http://schemas.openxmlformats.org/markup-compatibility/2006">
+        <mc:Choice xmlns:p14="http://schemas.microsoft.com/office/powerpoint/2010/main" Requires="p14">
+          <p:contentPart p14:bwMode="auto" r:id="rId28">
             <p14:nvContentPartPr>
-              <p14:cNvPr id="27" name="Ink 26">
+              <p14:cNvPr id="27" name="Ink 26" hidden="1">
                 <a:extLst>
                   <a:ext uri="{FF2B5EF4-FFF2-40B4-BE49-F238E27FC236}">
                     <a16:creationId xmlns:a16="http://schemas.microsoft.com/office/drawing/2014/main" id="{45DA6E77-6091-41F4-942A-0F309A3D2009}"/>
@@ -5980,10 +5980,10 @@
             </p14:xfrm>
           </p:contentPart>
         </mc:Choice>
-        <mc:Fallback xmlns="">
+        <mc:Fallback>
           <p:pic>
             <p:nvPicPr>
-              <p:cNvPr id="27" name="Ink 26">
+              <p:cNvPr id="27" name="Ink 26" hidden="1">
                 <a:extLst>
                   <a:ext uri="{FF2B5EF4-FFF2-40B4-BE49-F238E27FC236}">
                     <a16:creationId xmlns:a16="http://schemas.microsoft.com/office/drawing/2014/main" id="{45DA6E77-6091-41F4-942A-0F309A3D2009}"/>
@@ -5994,7 +5994,7 @@
               <p:nvPr/>
             </p:nvPicPr>
             <p:blipFill>
-              <a:blip r:embed="rId33"/>
+              <a:blip r:embed="rId29"/>
               <a:stretch>
                 <a:fillRect/>
               </a:stretch>
@@ -6011,11 +6011,11 @@
           </p:pic>
         </mc:Fallback>
       </mc:AlternateContent>
-      <mc:AlternateContent xmlns:mc="http://schemas.openxmlformats.org/markup-compatibility/2006" xmlns:p14="http://schemas.microsoft.com/office/powerpoint/2010/main">
-        <mc:Choice Requires="p14">
-          <p:contentPart p14:bwMode="auto" r:id="rId34">
+      <mc:AlternateContent xmlns:mc="http://schemas.openxmlformats.org/markup-compatibility/2006">
+        <mc:Choice xmlns:p14="http://schemas.microsoft.com/office/powerpoint/2010/main" Requires="p14">
+          <p:contentPart p14:bwMode="auto" r:id="rId30">
             <p14:nvContentPartPr>
-              <p14:cNvPr id="28" name="Ink 27">
+              <p14:cNvPr id="28" name="Ink 27" hidden="1">
                 <a:extLst>
                   <a:ext uri="{FF2B5EF4-FFF2-40B4-BE49-F238E27FC236}">
                     <a16:creationId xmlns:a16="http://schemas.microsoft.com/office/drawing/2014/main" id="{E3F3AD06-2FD6-4505-B7DB-A8FB3DED0B43}"/>
@@ -6031,10 +6031,10 @@
             </p14:xfrm>
           </p:contentPart>
         </mc:Choice>
-        <mc:Fallback xmlns="">
+        <mc:Fallback>
           <p:pic>
             <p:nvPicPr>
-              <p:cNvPr id="28" name="Ink 27">
+              <p:cNvPr id="28" name="Ink 27" hidden="1">
                 <a:extLst>
                   <a:ext uri="{FF2B5EF4-FFF2-40B4-BE49-F238E27FC236}">
                     <a16:creationId xmlns:a16="http://schemas.microsoft.com/office/drawing/2014/main" id="{E3F3AD06-2FD6-4505-B7DB-A8FB3DED0B43}"/>
@@ -6045,14 +6045,14 @@
               <p:nvPr/>
             </p:nvPicPr>
             <p:blipFill>
-              <a:blip r:embed="rId21"/>
+              <a:blip r:embed="rId17"/>
               <a:stretch>
                 <a:fillRect/>
               </a:stretch>
             </p:blipFill>
             <p:spPr>
               <a:xfrm>
-                <a:off x="-358200" y="636336"/>
+                <a:off x="-358560" y="636336"/>
                 <a:ext cx="184680" cy="360000"/>
               </a:xfrm>
               <a:prstGeom prst="rect">
@@ -6062,11 +6062,11 @@
           </p:pic>
         </mc:Fallback>
       </mc:AlternateContent>
-      <mc:AlternateContent xmlns:mc="http://schemas.openxmlformats.org/markup-compatibility/2006" xmlns:p14="http://schemas.microsoft.com/office/powerpoint/2010/main">
-        <mc:Choice Requires="p14">
-          <p:contentPart p14:bwMode="auto" r:id="rId35">
+      <mc:AlternateContent xmlns:mc="http://schemas.openxmlformats.org/markup-compatibility/2006">
+        <mc:Choice xmlns:p14="http://schemas.microsoft.com/office/powerpoint/2010/main" Requires="p14">
+          <p:contentPart p14:bwMode="auto" r:id="rId31">
             <p14:nvContentPartPr>
-              <p14:cNvPr id="30" name="Ink 29">
+              <p14:cNvPr id="30" name="Ink 29" hidden="1">
                 <a:extLst>
                   <a:ext uri="{FF2B5EF4-FFF2-40B4-BE49-F238E27FC236}">
                     <a16:creationId xmlns:a16="http://schemas.microsoft.com/office/drawing/2014/main" id="{C9248AF4-5127-48C9-B6A2-758110871291}"/>
@@ -6082,10 +6082,10 @@
             </p14:xfrm>
           </p:contentPart>
         </mc:Choice>
-        <mc:Fallback xmlns="">
+        <mc:Fallback>
           <p:pic>
             <p:nvPicPr>
-              <p:cNvPr id="30" name="Ink 29">
+              <p:cNvPr id="30" name="Ink 29" hidden="1">
                 <a:extLst>
                   <a:ext uri="{FF2B5EF4-FFF2-40B4-BE49-F238E27FC236}">
                     <a16:creationId xmlns:a16="http://schemas.microsoft.com/office/drawing/2014/main" id="{C9248AF4-5127-48C9-B6A2-758110871291}"/>
@@ -6096,7 +6096,7 @@
               <p:nvPr/>
             </p:nvPicPr>
             <p:blipFill>
-              <a:blip r:embed="rId36"/>
+              <a:blip r:embed="rId32"/>
               <a:stretch>
                 <a:fillRect/>
               </a:stretch>
@@ -8310,11 +8310,11 @@
           </a:p>
         </p:txBody>
       </p:sp>
-      <mc:AlternateContent xmlns:mc="http://schemas.openxmlformats.org/markup-compatibility/2006" xmlns:p14="http://schemas.microsoft.com/office/powerpoint/2010/main">
-        <mc:Choice Requires="p14">
+      <mc:AlternateContent xmlns:mc="http://schemas.openxmlformats.org/markup-compatibility/2006">
+        <mc:Choice xmlns:p14="http://schemas.microsoft.com/office/powerpoint/2010/main" Requires="p14">
           <p:contentPart p14:bwMode="auto" r:id="rId3">
             <p14:nvContentPartPr>
-              <p14:cNvPr id="9" name="Ink 8">
+              <p14:cNvPr id="9" name="Ink 8" hidden="1">
                 <a:extLst>
                   <a:ext uri="{FF2B5EF4-FFF2-40B4-BE49-F238E27FC236}">
                     <a16:creationId xmlns:a16="http://schemas.microsoft.com/office/drawing/2014/main" id="{1A185CBD-ED91-4F24-BEB9-8E33AD8AC3B1}"/>
@@ -8330,10 +8330,10 @@
             </p14:xfrm>
           </p:contentPart>
         </mc:Choice>
-        <mc:Fallback xmlns="">
+        <mc:Fallback>
           <p:pic>
             <p:nvPicPr>
-              <p:cNvPr id="9" name="Ink 8">
+              <p:cNvPr id="9" name="Ink 8" hidden="1">
                 <a:extLst>
                   <a:ext uri="{FF2B5EF4-FFF2-40B4-BE49-F238E27FC236}">
                     <a16:creationId xmlns:a16="http://schemas.microsoft.com/office/drawing/2014/main" id="{1A185CBD-ED91-4F24-BEB9-8E33AD8AC3B1}"/>
@@ -8344,7 +8344,7 @@
               <p:nvPr/>
             </p:nvPicPr>
             <p:blipFill>
-              <a:blip r:embed="rId7"/>
+              <a:blip r:embed="rId4"/>
               <a:stretch>
                 <a:fillRect/>
               </a:stretch>
@@ -8361,11 +8361,11 @@
           </p:pic>
         </mc:Fallback>
       </mc:AlternateContent>
-      <mc:AlternateContent xmlns:mc="http://schemas.openxmlformats.org/markup-compatibility/2006" xmlns:p14="http://schemas.microsoft.com/office/powerpoint/2010/main">
-        <mc:Choice Requires="p14">
-          <p:contentPart p14:bwMode="auto" r:id="rId8">
+      <mc:AlternateContent xmlns:mc="http://schemas.openxmlformats.org/markup-compatibility/2006">
+        <mc:Choice xmlns:p14="http://schemas.microsoft.com/office/powerpoint/2010/main" Requires="p14">
+          <p:contentPart p14:bwMode="auto" r:id="rId5">
             <p14:nvContentPartPr>
-              <p14:cNvPr id="10" name="Ink 9">
+              <p14:cNvPr id="10" name="Ink 9" hidden="1">
                 <a:extLst>
                   <a:ext uri="{FF2B5EF4-FFF2-40B4-BE49-F238E27FC236}">
                     <a16:creationId xmlns:a16="http://schemas.microsoft.com/office/drawing/2014/main" id="{032BD37A-4777-4658-98DC-561C88BBD6B5}"/>
@@ -8381,10 +8381,10 @@
             </p14:xfrm>
           </p:contentPart>
         </mc:Choice>
-        <mc:Fallback xmlns="">
+        <mc:Fallback>
           <p:pic>
             <p:nvPicPr>
-              <p:cNvPr id="10" name="Ink 9">
+              <p:cNvPr id="10" name="Ink 9" hidden="1">
                 <a:extLst>
                   <a:ext uri="{FF2B5EF4-FFF2-40B4-BE49-F238E27FC236}">
                     <a16:creationId xmlns:a16="http://schemas.microsoft.com/office/drawing/2014/main" id="{032BD37A-4777-4658-98DC-561C88BBD6B5}"/>
@@ -8395,14 +8395,14 @@
               <p:nvPr/>
             </p:nvPicPr>
             <p:blipFill>
-              <a:blip r:embed="rId7"/>
+              <a:blip r:embed="rId4"/>
               <a:stretch>
                 <a:fillRect/>
               </a:stretch>
             </p:blipFill>
             <p:spPr>
               <a:xfrm>
-                <a:off x="2238120" y="783312"/>
+                <a:off x="2238120" y="782952"/>
                 <a:ext cx="180000" cy="360000"/>
               </a:xfrm>
               <a:prstGeom prst="rect">
@@ -8412,11 +8412,11 @@
           </p:pic>
         </mc:Fallback>
       </mc:AlternateContent>
-      <mc:AlternateContent xmlns:mc="http://schemas.openxmlformats.org/markup-compatibility/2006" xmlns:p14="http://schemas.microsoft.com/office/powerpoint/2010/main">
-        <mc:Choice Requires="p14">
-          <p:contentPart p14:bwMode="auto" r:id="rId9">
+      <mc:AlternateContent xmlns:mc="http://schemas.openxmlformats.org/markup-compatibility/2006">
+        <mc:Choice xmlns:p14="http://schemas.microsoft.com/office/powerpoint/2010/main" Requires="p14">
+          <p:contentPart p14:bwMode="auto" r:id="rId6">
             <p14:nvContentPartPr>
-              <p14:cNvPr id="11" name="Ink 10">
+              <p14:cNvPr id="11" name="Ink 10" hidden="1">
                 <a:extLst>
                   <a:ext uri="{FF2B5EF4-FFF2-40B4-BE49-F238E27FC236}">
                     <a16:creationId xmlns:a16="http://schemas.microsoft.com/office/drawing/2014/main" id="{8D6F0DE4-0F5C-4DBC-980B-FA84561A37BD}"/>
@@ -8432,10 +8432,10 @@
             </p14:xfrm>
           </p:contentPart>
         </mc:Choice>
-        <mc:Fallback xmlns="">
+        <mc:Fallback>
           <p:pic>
             <p:nvPicPr>
-              <p:cNvPr id="11" name="Ink 10">
+              <p:cNvPr id="11" name="Ink 10" hidden="1">
                 <a:extLst>
                   <a:ext uri="{FF2B5EF4-FFF2-40B4-BE49-F238E27FC236}">
                     <a16:creationId xmlns:a16="http://schemas.microsoft.com/office/drawing/2014/main" id="{8D6F0DE4-0F5C-4DBC-980B-FA84561A37BD}"/>
@@ -8446,7 +8446,7 @@
               <p:nvPr/>
             </p:nvPicPr>
             <p:blipFill>
-              <a:blip r:embed="rId7"/>
+              <a:blip r:embed="rId4"/>
               <a:stretch>
                 <a:fillRect/>
               </a:stretch>
@@ -8463,11 +8463,11 @@
           </p:pic>
         </mc:Fallback>
       </mc:AlternateContent>
-      <mc:AlternateContent xmlns:mc="http://schemas.openxmlformats.org/markup-compatibility/2006" xmlns:p14="http://schemas.microsoft.com/office/powerpoint/2010/main">
-        <mc:Choice Requires="p14">
-          <p:contentPart p14:bwMode="auto" r:id="rId10">
+      <mc:AlternateContent xmlns:mc="http://schemas.openxmlformats.org/markup-compatibility/2006">
+        <mc:Choice xmlns:p14="http://schemas.microsoft.com/office/powerpoint/2010/main" Requires="p14">
+          <p:contentPart p14:bwMode="auto" r:id="rId7">
             <p14:nvContentPartPr>
-              <p14:cNvPr id="12" name="Ink 11">
+              <p14:cNvPr id="12" name="Ink 11" hidden="1">
                 <a:extLst>
                   <a:ext uri="{FF2B5EF4-FFF2-40B4-BE49-F238E27FC236}">
                     <a16:creationId xmlns:a16="http://schemas.microsoft.com/office/drawing/2014/main" id="{24F830F4-CC15-48E6-AB15-04ED683CA04A}"/>
@@ -8483,10 +8483,10 @@
             </p14:xfrm>
           </p:contentPart>
         </mc:Choice>
-        <mc:Fallback xmlns="">
+        <mc:Fallback>
           <p:pic>
             <p:nvPicPr>
-              <p:cNvPr id="12" name="Ink 11">
+              <p:cNvPr id="12" name="Ink 11" hidden="1">
                 <a:extLst>
                   <a:ext uri="{FF2B5EF4-FFF2-40B4-BE49-F238E27FC236}">
                     <a16:creationId xmlns:a16="http://schemas.microsoft.com/office/drawing/2014/main" id="{24F830F4-CC15-48E6-AB15-04ED683CA04A}"/>
@@ -8497,15 +8497,15 @@
               <p:nvPr/>
             </p:nvPicPr>
             <p:blipFill>
-              <a:blip r:embed="rId11"/>
+              <a:blip r:embed="rId8"/>
               <a:stretch>
                 <a:fillRect/>
               </a:stretch>
             </p:blipFill>
             <p:spPr>
               <a:xfrm>
-                <a:off x="2738160" y="746232"/>
-                <a:ext cx="182880" cy="364680"/>
+                <a:off x="2738160" y="758232"/>
+                <a:ext cx="182880" cy="340704"/>
               </a:xfrm>
               <a:prstGeom prst="rect">
                 <a:avLst/>
@@ -8514,11 +8514,11 @@
           </p:pic>
         </mc:Fallback>
       </mc:AlternateContent>
-      <mc:AlternateContent xmlns:mc="http://schemas.openxmlformats.org/markup-compatibility/2006" xmlns:p14="http://schemas.microsoft.com/office/powerpoint/2010/main">
-        <mc:Choice Requires="p14">
-          <p:contentPart p14:bwMode="auto" r:id="rId12">
+      <mc:AlternateContent xmlns:mc="http://schemas.openxmlformats.org/markup-compatibility/2006">
+        <mc:Choice xmlns:p14="http://schemas.microsoft.com/office/powerpoint/2010/main" Requires="p14">
+          <p:contentPart p14:bwMode="auto" r:id="rId9">
             <p14:nvContentPartPr>
-              <p14:cNvPr id="13" name="Ink 12">
+              <p14:cNvPr id="13" name="Ink 12" hidden="1">
                 <a:extLst>
                   <a:ext uri="{FF2B5EF4-FFF2-40B4-BE49-F238E27FC236}">
                     <a16:creationId xmlns:a16="http://schemas.microsoft.com/office/drawing/2014/main" id="{18EA1C91-5384-4260-8EC9-8379C643441C}"/>
@@ -8534,10 +8534,10 @@
             </p14:xfrm>
           </p:contentPart>
         </mc:Choice>
-        <mc:Fallback xmlns="">
+        <mc:Fallback>
           <p:pic>
             <p:nvPicPr>
-              <p:cNvPr id="13" name="Ink 12">
+              <p:cNvPr id="13" name="Ink 12" hidden="1">
                 <a:extLst>
                   <a:ext uri="{FF2B5EF4-FFF2-40B4-BE49-F238E27FC236}">
                     <a16:creationId xmlns:a16="http://schemas.microsoft.com/office/drawing/2014/main" id="{18EA1C91-5384-4260-8EC9-8379C643441C}"/>
@@ -8548,7 +8548,7 @@
               <p:nvPr/>
             </p:nvPicPr>
             <p:blipFill>
-              <a:blip r:embed="rId13"/>
+              <a:blip r:embed="rId10"/>
               <a:stretch>
                 <a:fillRect/>
               </a:stretch>
@@ -8565,11 +8565,11 @@
           </p:pic>
         </mc:Fallback>
       </mc:AlternateContent>
-      <mc:AlternateContent xmlns:mc="http://schemas.openxmlformats.org/markup-compatibility/2006" xmlns:p14="http://schemas.microsoft.com/office/powerpoint/2010/main">
-        <mc:Choice Requires="p14">
-          <p:contentPart p14:bwMode="auto" r:id="rId14">
+      <mc:AlternateContent xmlns:mc="http://schemas.openxmlformats.org/markup-compatibility/2006">
+        <mc:Choice xmlns:p14="http://schemas.microsoft.com/office/powerpoint/2010/main" Requires="p14">
+          <p:contentPart p14:bwMode="auto" r:id="rId11">
             <p14:nvContentPartPr>
-              <p14:cNvPr id="14" name="Ink 13">
+              <p14:cNvPr id="14" name="Ink 13" hidden="1">
                 <a:extLst>
                   <a:ext uri="{FF2B5EF4-FFF2-40B4-BE49-F238E27FC236}">
                     <a16:creationId xmlns:a16="http://schemas.microsoft.com/office/drawing/2014/main" id="{97E9F6ED-ACEE-438F-A76C-C66263E59B33}"/>
@@ -8585,10 +8585,10 @@
             </p14:xfrm>
           </p:contentPart>
         </mc:Choice>
-        <mc:Fallback xmlns="">
+        <mc:Fallback>
           <p:pic>
             <p:nvPicPr>
-              <p:cNvPr id="14" name="Ink 13">
+              <p:cNvPr id="14" name="Ink 13" hidden="1">
                 <a:extLst>
                   <a:ext uri="{FF2B5EF4-FFF2-40B4-BE49-F238E27FC236}">
                     <a16:creationId xmlns:a16="http://schemas.microsoft.com/office/drawing/2014/main" id="{97E9F6ED-ACEE-438F-A76C-C66263E59B33}"/>
@@ -8599,14 +8599,14 @@
               <p:nvPr/>
             </p:nvPicPr>
             <p:blipFill>
-              <a:blip r:embed="rId7"/>
+              <a:blip r:embed="rId4"/>
               <a:stretch>
                 <a:fillRect/>
               </a:stretch>
             </p:blipFill>
             <p:spPr>
               <a:xfrm>
-                <a:off x="7176240" y="2709312"/>
+                <a:off x="7176240" y="2708952"/>
                 <a:ext cx="180000" cy="360000"/>
               </a:xfrm>
               <a:prstGeom prst="rect">
@@ -8616,11 +8616,11 @@
           </p:pic>
         </mc:Fallback>
       </mc:AlternateContent>
-      <mc:AlternateContent xmlns:mc="http://schemas.openxmlformats.org/markup-compatibility/2006" xmlns:p14="http://schemas.microsoft.com/office/powerpoint/2010/main">
-        <mc:Choice Requires="p14">
-          <p:contentPart p14:bwMode="auto" r:id="rId15">
+      <mc:AlternateContent xmlns:mc="http://schemas.openxmlformats.org/markup-compatibility/2006">
+        <mc:Choice xmlns:p14="http://schemas.microsoft.com/office/powerpoint/2010/main" Requires="p14">
+          <p:contentPart p14:bwMode="auto" r:id="rId12">
             <p14:nvContentPartPr>
-              <p14:cNvPr id="15" name="Ink 14">
+              <p14:cNvPr id="15" name="Ink 14" hidden="1">
                 <a:extLst>
                   <a:ext uri="{FF2B5EF4-FFF2-40B4-BE49-F238E27FC236}">
                     <a16:creationId xmlns:a16="http://schemas.microsoft.com/office/drawing/2014/main" id="{EA56CB11-8AE3-4EA0-B556-BBB572803B07}"/>
@@ -8636,10 +8636,10 @@
             </p14:xfrm>
           </p:contentPart>
         </mc:Choice>
-        <mc:Fallback xmlns="">
+        <mc:Fallback>
           <p:pic>
             <p:nvPicPr>
-              <p:cNvPr id="15" name="Ink 14">
+              <p:cNvPr id="15" name="Ink 14" hidden="1">
                 <a:extLst>
                   <a:ext uri="{FF2B5EF4-FFF2-40B4-BE49-F238E27FC236}">
                     <a16:creationId xmlns:a16="http://schemas.microsoft.com/office/drawing/2014/main" id="{EA56CB11-8AE3-4EA0-B556-BBB572803B07}"/>
@@ -8650,14 +8650,14 @@
               <p:nvPr/>
             </p:nvPicPr>
             <p:blipFill>
-              <a:blip r:embed="rId7"/>
+              <a:blip r:embed="rId4"/>
               <a:stretch>
                 <a:fillRect/>
               </a:stretch>
             </p:blipFill>
             <p:spPr>
               <a:xfrm>
-                <a:off x="7176240" y="2709312"/>
+                <a:off x="7176240" y="2708952"/>
                 <a:ext cx="180000" cy="360000"/>
               </a:xfrm>
               <a:prstGeom prst="rect">
@@ -8667,11 +8667,11 @@
           </p:pic>
         </mc:Fallback>
       </mc:AlternateContent>
-      <mc:AlternateContent xmlns:mc="http://schemas.openxmlformats.org/markup-compatibility/2006" xmlns:p14="http://schemas.microsoft.com/office/powerpoint/2010/main">
-        <mc:Choice Requires="p14">
-          <p:contentPart p14:bwMode="auto" r:id="rId16">
+      <mc:AlternateContent xmlns:mc="http://schemas.openxmlformats.org/markup-compatibility/2006">
+        <mc:Choice xmlns:p14="http://schemas.microsoft.com/office/powerpoint/2010/main" Requires="p14">
+          <p:contentPart p14:bwMode="auto" r:id="rId13">
             <p14:nvContentPartPr>
-              <p14:cNvPr id="16" name="Ink 15">
+              <p14:cNvPr id="16" name="Ink 15" hidden="1">
                 <a:extLst>
                   <a:ext uri="{FF2B5EF4-FFF2-40B4-BE49-F238E27FC236}">
                     <a16:creationId xmlns:a16="http://schemas.microsoft.com/office/drawing/2014/main" id="{78E27AEC-BDF9-49A4-A10A-6F5F64F01EEA}"/>
@@ -8687,10 +8687,10 @@
             </p14:xfrm>
           </p:contentPart>
         </mc:Choice>
-        <mc:Fallback xmlns="">
+        <mc:Fallback>
           <p:pic>
             <p:nvPicPr>
-              <p:cNvPr id="16" name="Ink 15">
+              <p:cNvPr id="16" name="Ink 15" hidden="1">
                 <a:extLst>
                   <a:ext uri="{FF2B5EF4-FFF2-40B4-BE49-F238E27FC236}">
                     <a16:creationId xmlns:a16="http://schemas.microsoft.com/office/drawing/2014/main" id="{78E27AEC-BDF9-49A4-A10A-6F5F64F01EEA}"/>
@@ -8701,14 +8701,14 @@
               <p:nvPr/>
             </p:nvPicPr>
             <p:blipFill>
-              <a:blip r:embed="rId7"/>
+              <a:blip r:embed="rId4"/>
               <a:stretch>
                 <a:fillRect/>
               </a:stretch>
             </p:blipFill>
             <p:spPr>
               <a:xfrm>
-                <a:off x="7176240" y="2709312"/>
+                <a:off x="7176240" y="2708952"/>
                 <a:ext cx="180000" cy="360000"/>
               </a:xfrm>
               <a:prstGeom prst="rect">
@@ -8718,11 +8718,11 @@
           </p:pic>
         </mc:Fallback>
       </mc:AlternateContent>
-      <mc:AlternateContent xmlns:mc="http://schemas.openxmlformats.org/markup-compatibility/2006" xmlns:p14="http://schemas.microsoft.com/office/powerpoint/2010/main">
-        <mc:Choice Requires="p14">
-          <p:contentPart p14:bwMode="auto" r:id="rId17">
+      <mc:AlternateContent xmlns:mc="http://schemas.openxmlformats.org/markup-compatibility/2006">
+        <mc:Choice xmlns:p14="http://schemas.microsoft.com/office/powerpoint/2010/main" Requires="p14">
+          <p:contentPart p14:bwMode="auto" r:id="rId14">
             <p14:nvContentPartPr>
-              <p14:cNvPr id="17" name="Ink 16">
+              <p14:cNvPr id="17" name="Ink 16" hidden="1">
                 <a:extLst>
                   <a:ext uri="{FF2B5EF4-FFF2-40B4-BE49-F238E27FC236}">
                     <a16:creationId xmlns:a16="http://schemas.microsoft.com/office/drawing/2014/main" id="{00D1CCCF-5EBB-4FB3-A293-78C28946220A}"/>
@@ -8738,10 +8738,10 @@
             </p14:xfrm>
           </p:contentPart>
         </mc:Choice>
-        <mc:Fallback xmlns="">
+        <mc:Fallback>
           <p:pic>
             <p:nvPicPr>
-              <p:cNvPr id="17" name="Ink 16">
+              <p:cNvPr id="17" name="Ink 16" hidden="1">
                 <a:extLst>
                   <a:ext uri="{FF2B5EF4-FFF2-40B4-BE49-F238E27FC236}">
                     <a16:creationId xmlns:a16="http://schemas.microsoft.com/office/drawing/2014/main" id="{00D1CCCF-5EBB-4FB3-A293-78C28946220A}"/>
@@ -8752,14 +8752,14 @@
               <p:nvPr/>
             </p:nvPicPr>
             <p:blipFill>
-              <a:blip r:embed="rId7"/>
+              <a:blip r:embed="rId4"/>
               <a:stretch>
                 <a:fillRect/>
               </a:stretch>
             </p:blipFill>
             <p:spPr>
               <a:xfrm>
-                <a:off x="7176240" y="2709312"/>
+                <a:off x="7176240" y="2708952"/>
                 <a:ext cx="180000" cy="360000"/>
               </a:xfrm>
               <a:prstGeom prst="rect">
@@ -8769,11 +8769,11 @@
           </p:pic>
         </mc:Fallback>
       </mc:AlternateContent>
-      <mc:AlternateContent xmlns:mc="http://schemas.openxmlformats.org/markup-compatibility/2006" xmlns:p14="http://schemas.microsoft.com/office/powerpoint/2010/main">
-        <mc:Choice Requires="p14">
-          <p:contentPart p14:bwMode="auto" r:id="rId18">
+      <mc:AlternateContent xmlns:mc="http://schemas.openxmlformats.org/markup-compatibility/2006">
+        <mc:Choice xmlns:p14="http://schemas.microsoft.com/office/powerpoint/2010/main" Requires="p14">
+          <p:contentPart p14:bwMode="auto" r:id="rId15">
             <p14:nvContentPartPr>
-              <p14:cNvPr id="18" name="Ink 17">
+              <p14:cNvPr id="18" name="Ink 17" hidden="1">
                 <a:extLst>
                   <a:ext uri="{FF2B5EF4-FFF2-40B4-BE49-F238E27FC236}">
                     <a16:creationId xmlns:a16="http://schemas.microsoft.com/office/drawing/2014/main" id="{0EC3AB97-946C-4D62-AEB0-E11D486AFBF0}"/>
@@ -8789,10 +8789,10 @@
             </p14:xfrm>
           </p:contentPart>
         </mc:Choice>
-        <mc:Fallback xmlns="">
+        <mc:Fallback>
           <p:pic>
             <p:nvPicPr>
-              <p:cNvPr id="18" name="Ink 17">
+              <p:cNvPr id="18" name="Ink 17" hidden="1">
                 <a:extLst>
                   <a:ext uri="{FF2B5EF4-FFF2-40B4-BE49-F238E27FC236}">
                     <a16:creationId xmlns:a16="http://schemas.microsoft.com/office/drawing/2014/main" id="{0EC3AB97-946C-4D62-AEB0-E11D486AFBF0}"/>
@@ -8803,14 +8803,14 @@
               <p:nvPr/>
             </p:nvPicPr>
             <p:blipFill>
-              <a:blip r:embed="rId7"/>
+              <a:blip r:embed="rId4"/>
               <a:stretch>
                 <a:fillRect/>
               </a:stretch>
             </p:blipFill>
             <p:spPr>
               <a:xfrm>
-                <a:off x="6591240" y="2697072"/>
+                <a:off x="6590880" y="2697072"/>
                 <a:ext cx="180000" cy="360000"/>
               </a:xfrm>
               <a:prstGeom prst="rect">
@@ -11909,6 +11909,15 @@
 </file>
 
 <file path=customXml/item2.xml><?xml version="1.0" encoding="utf-8"?>
+<?mso-contentType ?>
+<FormTemplates xmlns="http://schemas.microsoft.com/sharepoint/v3/contenttype/forms">
+  <Display>DocumentLibraryForm</Display>
+  <Edit>DocumentLibraryForm</Edit>
+  <New>DocumentLibraryForm</New>
+</FormTemplates>
+</file>
+
+<file path=customXml/item3.xml><?xml version="1.0" encoding="utf-8"?>
 <ct:contentTypeSchema xmlns:ct="http://schemas.microsoft.com/office/2006/metadata/contentType" xmlns:ma="http://schemas.microsoft.com/office/2006/metadata/properties/metaAttributes" ct:_="" ma:_="" ma:contentTypeName="Document" ma:contentTypeID="0x010100EECD86F56755A646AC8AFCBCBD967F21" ma:contentTypeVersion="11" ma:contentTypeDescription="Create a new document." ma:contentTypeScope="" ma:versionID="4bc1015ece1c23b1ef2f55a62f11494f">
   <xsd:schema xmlns:xsd="http://www.w3.org/2001/XMLSchema" xmlns:xs="http://www.w3.org/2001/XMLSchema" xmlns:p="http://schemas.microsoft.com/office/2006/metadata/properties" xmlns:ns2="155be751-a274-42e8-93fb-f39d3b9bccc8" xmlns:ns3="f80a141d-92ca-4d3d-9308-f7e7b1d44ce8" targetNamespace="http://schemas.microsoft.com/office/2006/metadata/properties" ma:root="true" ma:fieldsID="efbf6837a43ed91190e40f849f23a130" ns2:_="" ns3:_="">
     <xsd:import namespace="155be751-a274-42e8-93fb-f39d3b9bccc8"/>
@@ -12119,15 +12128,6 @@
 </ct:contentTypeSchema>
 </file>
 
-<file path=customXml/item3.xml><?xml version="1.0" encoding="utf-8"?>
-<?mso-contentType ?>
-<FormTemplates xmlns="http://schemas.microsoft.com/sharepoint/v3/contenttype/forms">
-  <Display>DocumentLibraryForm</Display>
-  <Edit>DocumentLibraryForm</Edit>
-  <New>DocumentLibraryForm</New>
-</FormTemplates>
-</file>
-
 <file path=customXml/itemProps1.xml><?xml version="1.0" encoding="utf-8"?>
 <ds:datastoreItem xmlns:ds="http://schemas.openxmlformats.org/officeDocument/2006/customXml" ds:itemID="{54DA07C5-A406-4A0D-B3E6-3856C94AC7F3}">
   <ds:schemaRefs>
@@ -12138,6 +12138,14 @@
 </file>
 
 <file path=customXml/itemProps2.xml><?xml version="1.0" encoding="utf-8"?>
+<ds:datastoreItem xmlns:ds="http://schemas.openxmlformats.org/officeDocument/2006/customXml" ds:itemID="{7EFDA260-DDA0-422C-B7AE-778F653FBB36}">
+  <ds:schemaRefs>
+    <ds:schemaRef ds:uri="http://schemas.microsoft.com/sharepoint/v3/contenttype/forms"/>
+  </ds:schemaRefs>
+</ds:datastoreItem>
+</file>
+
+<file path=customXml/itemProps3.xml><?xml version="1.0" encoding="utf-8"?>
 <ds:datastoreItem xmlns:ds="http://schemas.openxmlformats.org/officeDocument/2006/customXml" ds:itemID="{887AE8FE-83F0-42D0-BB5E-14AD3FB1DE17}">
   <ds:schemaRefs>
     <ds:schemaRef ds:uri="http://schemas.microsoft.com/office/2006/metadata/contentType"/>
@@ -12154,12 +12162,4 @@
     <ds:schemaRef ds:uri="http://schemas.microsoft.com/internal/obd"/>
   </ds:schemaRefs>
 </ds:datastoreItem>
-</file>
-
-<file path=customXml/itemProps3.xml><?xml version="1.0" encoding="utf-8"?>
-<ds:datastoreItem xmlns:ds="http://schemas.openxmlformats.org/officeDocument/2006/customXml" ds:itemID="{7EFDA260-DDA0-422C-B7AE-778F653FBB36}">
-  <ds:schemaRefs>
-    <ds:schemaRef ds:uri="http://schemas.microsoft.com/sharepoint/v3/contenttype/forms"/>
-  </ds:schemaRefs>
-</ds:datastoreItem>
 </file>
--- a/technology_industry_trends_analysis.pptx
+++ b/technology_industry_trends_analysis.pptx
@@ -4991,8 +4991,8 @@
           </a:p>
         </p:txBody>
       </p:sp>
-      <mc:AlternateContent xmlns:mc="http://schemas.openxmlformats.org/markup-compatibility/2006">
-        <mc:Choice xmlns:p14="http://schemas.microsoft.com/office/powerpoint/2010/main" Requires="p14">
+      <mc:AlternateContent xmlns:mc="http://schemas.openxmlformats.org/markup-compatibility/2006" xmlns:p14="http://schemas.microsoft.com/office/powerpoint/2010/main">
+        <mc:Choice Requires="p14">
           <p:contentPart p14:bwMode="auto" r:id="rId4">
             <p14:nvContentPartPr>
               <p14:cNvPr id="6" name="Ink 5" hidden="1">
@@ -5011,7 +5011,7 @@
             </p14:xfrm>
           </p:contentPart>
         </mc:Choice>
-        <mc:Fallback>
+        <mc:Fallback xmlns="">
           <p:pic>
             <p:nvPicPr>
               <p:cNvPr id="6" name="Ink 5" hidden="1">
@@ -5042,8 +5042,8 @@
           </p:pic>
         </mc:Fallback>
       </mc:AlternateContent>
-      <mc:AlternateContent xmlns:mc="http://schemas.openxmlformats.org/markup-compatibility/2006">
-        <mc:Choice xmlns:p14="http://schemas.microsoft.com/office/powerpoint/2010/main" Requires="p14">
+      <mc:AlternateContent xmlns:mc="http://schemas.openxmlformats.org/markup-compatibility/2006" xmlns:p14="http://schemas.microsoft.com/office/powerpoint/2010/main">
+        <mc:Choice Requires="p14">
           <p:contentPart p14:bwMode="auto" r:id="rId6">
             <p14:nvContentPartPr>
               <p14:cNvPr id="7" name="Ink 6" hidden="1">
@@ -5062,7 +5062,7 @@
             </p14:xfrm>
           </p:contentPart>
         </mc:Choice>
-        <mc:Fallback>
+        <mc:Fallback xmlns="">
           <p:pic>
             <p:nvPicPr>
               <p:cNvPr id="7" name="Ink 6" hidden="1">
@@ -5093,8 +5093,8 @@
           </p:pic>
         </mc:Fallback>
       </mc:AlternateContent>
-      <mc:AlternateContent xmlns:mc="http://schemas.openxmlformats.org/markup-compatibility/2006">
-        <mc:Choice xmlns:p14="http://schemas.microsoft.com/office/powerpoint/2010/main" Requires="p14">
+      <mc:AlternateContent xmlns:mc="http://schemas.openxmlformats.org/markup-compatibility/2006" xmlns:p14="http://schemas.microsoft.com/office/powerpoint/2010/main">
+        <mc:Choice Requires="p14">
           <p:contentPart p14:bwMode="auto" r:id="rId8">
             <p14:nvContentPartPr>
               <p14:cNvPr id="8" name="Ink 7" hidden="1">
@@ -5113,7 +5113,7 @@
             </p14:xfrm>
           </p:contentPart>
         </mc:Choice>
-        <mc:Fallback>
+        <mc:Fallback xmlns="">
           <p:pic>
             <p:nvPicPr>
               <p:cNvPr id="8" name="Ink 7" hidden="1">
@@ -5144,8 +5144,8 @@
           </p:pic>
         </mc:Fallback>
       </mc:AlternateContent>
-      <mc:AlternateContent xmlns:mc="http://schemas.openxmlformats.org/markup-compatibility/2006">
-        <mc:Choice xmlns:p14="http://schemas.microsoft.com/office/powerpoint/2010/main" Requires="p14">
+      <mc:AlternateContent xmlns:mc="http://schemas.openxmlformats.org/markup-compatibility/2006" xmlns:p14="http://schemas.microsoft.com/office/powerpoint/2010/main">
+        <mc:Choice Requires="p14">
           <p:contentPart p14:bwMode="auto" r:id="rId9">
             <p14:nvContentPartPr>
               <p14:cNvPr id="9" name="Ink 8" hidden="1">
@@ -5164,7 +5164,7 @@
             </p14:xfrm>
           </p:contentPart>
         </mc:Choice>
-        <mc:Fallback>
+        <mc:Fallback xmlns="">
           <p:pic>
             <p:nvPicPr>
               <p:cNvPr id="9" name="Ink 8" hidden="1">
@@ -5195,8 +5195,8 @@
           </p:pic>
         </mc:Fallback>
       </mc:AlternateContent>
-      <mc:AlternateContent xmlns:mc="http://schemas.openxmlformats.org/markup-compatibility/2006">
-        <mc:Choice xmlns:p14="http://schemas.microsoft.com/office/powerpoint/2010/main" Requires="p14">
+      <mc:AlternateContent xmlns:mc="http://schemas.openxmlformats.org/markup-compatibility/2006" xmlns:p14="http://schemas.microsoft.com/office/powerpoint/2010/main">
+        <mc:Choice Requires="p14">
           <p:contentPart p14:bwMode="auto" r:id="rId10">
             <p14:nvContentPartPr>
               <p14:cNvPr id="10" name="Ink 9" hidden="1">
@@ -5215,7 +5215,7 @@
             </p14:xfrm>
           </p:contentPart>
         </mc:Choice>
-        <mc:Fallback>
+        <mc:Fallback xmlns="">
           <p:pic>
             <p:nvPicPr>
               <p:cNvPr id="10" name="Ink 9" hidden="1">
@@ -5246,8 +5246,8 @@
           </p:pic>
         </mc:Fallback>
       </mc:AlternateContent>
-      <mc:AlternateContent xmlns:mc="http://schemas.openxmlformats.org/markup-compatibility/2006">
-        <mc:Choice xmlns:p14="http://schemas.microsoft.com/office/powerpoint/2010/main" Requires="p14">
+      <mc:AlternateContent xmlns:mc="http://schemas.openxmlformats.org/markup-compatibility/2006" xmlns:p14="http://schemas.microsoft.com/office/powerpoint/2010/main">
+        <mc:Choice Requires="p14">
           <p:contentPart p14:bwMode="auto" r:id="rId11">
             <p14:nvContentPartPr>
               <p14:cNvPr id="13" name="Ink 12" hidden="1">
@@ -5266,7 +5266,7 @@
             </p14:xfrm>
           </p:contentPart>
         </mc:Choice>
-        <mc:Fallback>
+        <mc:Fallback xmlns="">
           <p:pic>
             <p:nvPicPr>
               <p:cNvPr id="13" name="Ink 12" hidden="1">
@@ -5297,8 +5297,8 @@
           </p:pic>
         </mc:Fallback>
       </mc:AlternateContent>
-      <mc:AlternateContent xmlns:mc="http://schemas.openxmlformats.org/markup-compatibility/2006">
-        <mc:Choice xmlns:p14="http://schemas.microsoft.com/office/powerpoint/2010/main" Requires="p14">
+      <mc:AlternateContent xmlns:mc="http://schemas.openxmlformats.org/markup-compatibility/2006" xmlns:p14="http://schemas.microsoft.com/office/powerpoint/2010/main">
+        <mc:Choice Requires="p14">
           <p:contentPart p14:bwMode="auto" r:id="rId13">
             <p14:nvContentPartPr>
               <p14:cNvPr id="14" name="Ink 13" hidden="1">
@@ -5317,7 +5317,7 @@
             </p14:xfrm>
           </p:contentPart>
         </mc:Choice>
-        <mc:Fallback>
+        <mc:Fallback xmlns="">
           <p:pic>
             <p:nvPicPr>
               <p:cNvPr id="14" name="Ink 13" hidden="1">
@@ -5348,8 +5348,8 @@
           </p:pic>
         </mc:Fallback>
       </mc:AlternateContent>
-      <mc:AlternateContent xmlns:mc="http://schemas.openxmlformats.org/markup-compatibility/2006">
-        <mc:Choice xmlns:p14="http://schemas.microsoft.com/office/powerpoint/2010/main" Requires="p14">
+      <mc:AlternateContent xmlns:mc="http://schemas.openxmlformats.org/markup-compatibility/2006" xmlns:p14="http://schemas.microsoft.com/office/powerpoint/2010/main">
+        <mc:Choice Requires="p14">
           <p:contentPart p14:bwMode="auto" r:id="rId15">
             <p14:nvContentPartPr>
               <p14:cNvPr id="15" name="Ink 14" hidden="1">
@@ -5368,7 +5368,7 @@
             </p14:xfrm>
           </p:contentPart>
         </mc:Choice>
-        <mc:Fallback>
+        <mc:Fallback xmlns="">
           <p:pic>
             <p:nvPicPr>
               <p:cNvPr id="15" name="Ink 14" hidden="1">
@@ -5399,8 +5399,8 @@
           </p:pic>
         </mc:Fallback>
       </mc:AlternateContent>
-      <mc:AlternateContent xmlns:mc="http://schemas.openxmlformats.org/markup-compatibility/2006">
-        <mc:Choice xmlns:p14="http://schemas.microsoft.com/office/powerpoint/2010/main" Requires="p14">
+      <mc:AlternateContent xmlns:mc="http://schemas.openxmlformats.org/markup-compatibility/2006" xmlns:p14="http://schemas.microsoft.com/office/powerpoint/2010/main">
+        <mc:Choice Requires="p14">
           <p:contentPart p14:bwMode="auto" r:id="rId16">
             <p14:nvContentPartPr>
               <p14:cNvPr id="16" name="Ink 15" hidden="1">
@@ -5419,7 +5419,7 @@
             </p14:xfrm>
           </p:contentPart>
         </mc:Choice>
-        <mc:Fallback>
+        <mc:Fallback xmlns="">
           <p:pic>
             <p:nvPicPr>
               <p:cNvPr id="16" name="Ink 15" hidden="1">
@@ -5450,8 +5450,8 @@
           </p:pic>
         </mc:Fallback>
       </mc:AlternateContent>
-      <mc:AlternateContent xmlns:mc="http://schemas.openxmlformats.org/markup-compatibility/2006">
-        <mc:Choice xmlns:p14="http://schemas.microsoft.com/office/powerpoint/2010/main" Requires="p14">
+      <mc:AlternateContent xmlns:mc="http://schemas.openxmlformats.org/markup-compatibility/2006" xmlns:p14="http://schemas.microsoft.com/office/powerpoint/2010/main">
+        <mc:Choice Requires="p14">
           <p:contentPart p14:bwMode="auto" r:id="rId18">
             <p14:nvContentPartPr>
               <p14:cNvPr id="17" name="Ink 16" hidden="1">
@@ -5470,7 +5470,7 @@
             </p14:xfrm>
           </p:contentPart>
         </mc:Choice>
-        <mc:Fallback>
+        <mc:Fallback xmlns="">
           <p:pic>
             <p:nvPicPr>
               <p:cNvPr id="17" name="Ink 16" hidden="1">
@@ -5501,8 +5501,8 @@
           </p:pic>
         </mc:Fallback>
       </mc:AlternateContent>
-      <mc:AlternateContent xmlns:mc="http://schemas.openxmlformats.org/markup-compatibility/2006">
-        <mc:Choice xmlns:p14="http://schemas.microsoft.com/office/powerpoint/2010/main" Requires="p14">
+      <mc:AlternateContent xmlns:mc="http://schemas.openxmlformats.org/markup-compatibility/2006" xmlns:p14="http://schemas.microsoft.com/office/powerpoint/2010/main">
+        <mc:Choice Requires="p14">
           <p:contentPart p14:bwMode="auto" r:id="rId19">
             <p14:nvContentPartPr>
               <p14:cNvPr id="18" name="Ink 17" hidden="1">
@@ -5521,7 +5521,7 @@
             </p14:xfrm>
           </p:contentPart>
         </mc:Choice>
-        <mc:Fallback>
+        <mc:Fallback xmlns="">
           <p:pic>
             <p:nvPicPr>
               <p:cNvPr id="18" name="Ink 17" hidden="1">
@@ -5552,8 +5552,8 @@
           </p:pic>
         </mc:Fallback>
       </mc:AlternateContent>
-      <mc:AlternateContent xmlns:mc="http://schemas.openxmlformats.org/markup-compatibility/2006">
-        <mc:Choice xmlns:p14="http://schemas.microsoft.com/office/powerpoint/2010/main" Requires="p14">
+      <mc:AlternateContent xmlns:mc="http://schemas.openxmlformats.org/markup-compatibility/2006" xmlns:p14="http://schemas.microsoft.com/office/powerpoint/2010/main">
+        <mc:Choice Requires="p14">
           <p:contentPart p14:bwMode="auto" r:id="rId20">
             <p14:nvContentPartPr>
               <p14:cNvPr id="19" name="Ink 18" hidden="1">
@@ -5572,7 +5572,7 @@
             </p14:xfrm>
           </p:contentPart>
         </mc:Choice>
-        <mc:Fallback>
+        <mc:Fallback xmlns="">
           <p:pic>
             <p:nvPicPr>
               <p:cNvPr id="19" name="Ink 18" hidden="1">
@@ -5603,8 +5603,8 @@
           </p:pic>
         </mc:Fallback>
       </mc:AlternateContent>
-      <mc:AlternateContent xmlns:mc="http://schemas.openxmlformats.org/markup-compatibility/2006">
-        <mc:Choice xmlns:p14="http://schemas.microsoft.com/office/powerpoint/2010/main" Requires="p14">
+      <mc:AlternateContent xmlns:mc="http://schemas.openxmlformats.org/markup-compatibility/2006" xmlns:p14="http://schemas.microsoft.com/office/powerpoint/2010/main">
+        <mc:Choice Requires="p14">
           <p:contentPart p14:bwMode="auto" r:id="rId21">
             <p14:nvContentPartPr>
               <p14:cNvPr id="20" name="Ink 19" hidden="1">
@@ -5623,7 +5623,7 @@
             </p14:xfrm>
           </p:contentPart>
         </mc:Choice>
-        <mc:Fallback>
+        <mc:Fallback xmlns="">
           <p:pic>
             <p:nvPicPr>
               <p:cNvPr id="20" name="Ink 19" hidden="1">
@@ -5654,8 +5654,8 @@
           </p:pic>
         </mc:Fallback>
       </mc:AlternateContent>
-      <mc:AlternateContent xmlns:mc="http://schemas.openxmlformats.org/markup-compatibility/2006">
-        <mc:Choice xmlns:p14="http://schemas.microsoft.com/office/powerpoint/2010/main" Requires="p14">
+      <mc:AlternateContent xmlns:mc="http://schemas.openxmlformats.org/markup-compatibility/2006" xmlns:p14="http://schemas.microsoft.com/office/powerpoint/2010/main">
+        <mc:Choice Requires="p14">
           <p:contentPart p14:bwMode="auto" r:id="rId22">
             <p14:nvContentPartPr>
               <p14:cNvPr id="21" name="Ink 20" hidden="1">
@@ -5674,7 +5674,7 @@
             </p14:xfrm>
           </p:contentPart>
         </mc:Choice>
-        <mc:Fallback>
+        <mc:Fallback xmlns="">
           <p:pic>
             <p:nvPicPr>
               <p:cNvPr id="21" name="Ink 20" hidden="1">
@@ -5705,8 +5705,8 @@
           </p:pic>
         </mc:Fallback>
       </mc:AlternateContent>
-      <mc:AlternateContent xmlns:mc="http://schemas.openxmlformats.org/markup-compatibility/2006">
-        <mc:Choice xmlns:p14="http://schemas.microsoft.com/office/powerpoint/2010/main" Requires="p14">
+      <mc:AlternateContent xmlns:mc="http://schemas.openxmlformats.org/markup-compatibility/2006" xmlns:p14="http://schemas.microsoft.com/office/powerpoint/2010/main">
+        <mc:Choice Requires="p14">
           <p:contentPart p14:bwMode="auto" r:id="rId23">
             <p14:nvContentPartPr>
               <p14:cNvPr id="22" name="Ink 21" hidden="1">
@@ -5725,7 +5725,7 @@
             </p14:xfrm>
           </p:contentPart>
         </mc:Choice>
-        <mc:Fallback>
+        <mc:Fallback xmlns="">
           <p:pic>
             <p:nvPicPr>
               <p:cNvPr id="22" name="Ink 21" hidden="1">
@@ -5756,8 +5756,8 @@
           </p:pic>
         </mc:Fallback>
       </mc:AlternateContent>
-      <mc:AlternateContent xmlns:mc="http://schemas.openxmlformats.org/markup-compatibility/2006">
-        <mc:Choice xmlns:p14="http://schemas.microsoft.com/office/powerpoint/2010/main" Requires="p14">
+      <mc:AlternateContent xmlns:mc="http://schemas.openxmlformats.org/markup-compatibility/2006" xmlns:p14="http://schemas.microsoft.com/office/powerpoint/2010/main">
+        <mc:Choice Requires="p14">
           <p:contentPart p14:bwMode="auto" r:id="rId24">
             <p14:nvContentPartPr>
               <p14:cNvPr id="23" name="Ink 22" hidden="1">
@@ -5776,7 +5776,7 @@
             </p14:xfrm>
           </p:contentPart>
         </mc:Choice>
-        <mc:Fallback>
+        <mc:Fallback xmlns="">
           <p:pic>
             <p:nvPicPr>
               <p:cNvPr id="23" name="Ink 22" hidden="1">
@@ -5807,8 +5807,8 @@
           </p:pic>
         </mc:Fallback>
       </mc:AlternateContent>
-      <mc:AlternateContent xmlns:mc="http://schemas.openxmlformats.org/markup-compatibility/2006">
-        <mc:Choice xmlns:p14="http://schemas.microsoft.com/office/powerpoint/2010/main" Requires="p14">
+      <mc:AlternateContent xmlns:mc="http://schemas.openxmlformats.org/markup-compatibility/2006" xmlns:p14="http://schemas.microsoft.com/office/powerpoint/2010/main">
+        <mc:Choice Requires="p14">
           <p:contentPart p14:bwMode="auto" r:id="rId25">
             <p14:nvContentPartPr>
               <p14:cNvPr id="24" name="Ink 23" hidden="1">
@@ -5827,7 +5827,7 @@
             </p14:xfrm>
           </p:contentPart>
         </mc:Choice>
-        <mc:Fallback>
+        <mc:Fallback xmlns="">
           <p:pic>
             <p:nvPicPr>
               <p:cNvPr id="24" name="Ink 23" hidden="1">
@@ -5858,8 +5858,8 @@
           </p:pic>
         </mc:Fallback>
       </mc:AlternateContent>
-      <mc:AlternateContent xmlns:mc="http://schemas.openxmlformats.org/markup-compatibility/2006">
-        <mc:Choice xmlns:p14="http://schemas.microsoft.com/office/powerpoint/2010/main" Requires="p14">
+      <mc:AlternateContent xmlns:mc="http://schemas.openxmlformats.org/markup-compatibility/2006" xmlns:p14="http://schemas.microsoft.com/office/powerpoint/2010/main">
+        <mc:Choice Requires="p14">
           <p:contentPart p14:bwMode="auto" r:id="rId26">
             <p14:nvContentPartPr>
               <p14:cNvPr id="25" name="Ink 24" hidden="1">
@@ -5878,7 +5878,7 @@
             </p14:xfrm>
           </p:contentPart>
         </mc:Choice>
-        <mc:Fallback>
+        <mc:Fallback xmlns="">
           <p:pic>
             <p:nvPicPr>
               <p:cNvPr id="25" name="Ink 24" hidden="1">
@@ -5909,8 +5909,8 @@
           </p:pic>
         </mc:Fallback>
       </mc:AlternateContent>
-      <mc:AlternateContent xmlns:mc="http://schemas.openxmlformats.org/markup-compatibility/2006">
-        <mc:Choice xmlns:p14="http://schemas.microsoft.com/office/powerpoint/2010/main" Requires="p14">
+      <mc:AlternateContent xmlns:mc="http://schemas.openxmlformats.org/markup-compatibility/2006" xmlns:p14="http://schemas.microsoft.com/office/powerpoint/2010/main">
+        <mc:Choice Requires="p14">
           <p:contentPart p14:bwMode="auto" r:id="rId27">
             <p14:nvContentPartPr>
               <p14:cNvPr id="26" name="Ink 25" hidden="1">
@@ -5929,7 +5929,7 @@
             </p14:xfrm>
           </p:contentPart>
         </mc:Choice>
-        <mc:Fallback>
+        <mc:Fallback xmlns="">
           <p:pic>
             <p:nvPicPr>
               <p:cNvPr id="26" name="Ink 25" hidden="1">
@@ -5960,8 +5960,8 @@
           </p:pic>
         </mc:Fallback>
       </mc:AlternateContent>
-      <mc:AlternateContent xmlns:mc="http://schemas.openxmlformats.org/markup-compatibility/2006">
-        <mc:Choice xmlns:p14="http://schemas.microsoft.com/office/powerpoint/2010/main" Requires="p14">
+      <mc:AlternateContent xmlns:mc="http://schemas.openxmlformats.org/markup-compatibility/2006" xmlns:p14="http://schemas.microsoft.com/office/powerpoint/2010/main">
+        <mc:Choice Requires="p14">
           <p:contentPart p14:bwMode="auto" r:id="rId28">
             <p14:nvContentPartPr>
               <p14:cNvPr id="27" name="Ink 26" hidden="1">
@@ -5980,7 +5980,7 @@
             </p14:xfrm>
           </p:contentPart>
         </mc:Choice>
-        <mc:Fallback>
+        <mc:Fallback xmlns="">
           <p:pic>
             <p:nvPicPr>
               <p:cNvPr id="27" name="Ink 26" hidden="1">
@@ -6011,8 +6011,8 @@
           </p:pic>
         </mc:Fallback>
       </mc:AlternateContent>
-      <mc:AlternateContent xmlns:mc="http://schemas.openxmlformats.org/markup-compatibility/2006">
-        <mc:Choice xmlns:p14="http://schemas.microsoft.com/office/powerpoint/2010/main" Requires="p14">
+      <mc:AlternateContent xmlns:mc="http://schemas.openxmlformats.org/markup-compatibility/2006" xmlns:p14="http://schemas.microsoft.com/office/powerpoint/2010/main">
+        <mc:Choice Requires="p14">
           <p:contentPart p14:bwMode="auto" r:id="rId30">
             <p14:nvContentPartPr>
               <p14:cNvPr id="28" name="Ink 27" hidden="1">
@@ -6031,7 +6031,7 @@
             </p14:xfrm>
           </p:contentPart>
         </mc:Choice>
-        <mc:Fallback>
+        <mc:Fallback xmlns="">
           <p:pic>
             <p:nvPicPr>
               <p:cNvPr id="28" name="Ink 27" hidden="1">
@@ -6062,8 +6062,8 @@
           </p:pic>
         </mc:Fallback>
       </mc:AlternateContent>
-      <mc:AlternateContent xmlns:mc="http://schemas.openxmlformats.org/markup-compatibility/2006">
-        <mc:Choice xmlns:p14="http://schemas.microsoft.com/office/powerpoint/2010/main" Requires="p14">
+      <mc:AlternateContent xmlns:mc="http://schemas.openxmlformats.org/markup-compatibility/2006" xmlns:p14="http://schemas.microsoft.com/office/powerpoint/2010/main">
+        <mc:Choice Requires="p14">
           <p:contentPart p14:bwMode="auto" r:id="rId31">
             <p14:nvContentPartPr>
               <p14:cNvPr id="30" name="Ink 29" hidden="1">
@@ -6082,7 +6082,7 @@
             </p14:xfrm>
           </p:contentPart>
         </mc:Choice>
-        <mc:Fallback>
+        <mc:Fallback xmlns="">
           <p:pic>
             <p:nvPicPr>
               <p:cNvPr id="30" name="Ink 29" hidden="1">
@@ -8310,8 +8310,8 @@
           </a:p>
         </p:txBody>
       </p:sp>
-      <mc:AlternateContent xmlns:mc="http://schemas.openxmlformats.org/markup-compatibility/2006">
-        <mc:Choice xmlns:p14="http://schemas.microsoft.com/office/powerpoint/2010/main" Requires="p14">
+      <mc:AlternateContent xmlns:mc="http://schemas.openxmlformats.org/markup-compatibility/2006" xmlns:p14="http://schemas.microsoft.com/office/powerpoint/2010/main">
+        <mc:Choice Requires="p14">
           <p:contentPart p14:bwMode="auto" r:id="rId3">
             <p14:nvContentPartPr>
               <p14:cNvPr id="9" name="Ink 8" hidden="1">
@@ -8330,7 +8330,7 @@
             </p14:xfrm>
           </p:contentPart>
         </mc:Choice>
-        <mc:Fallback>
+        <mc:Fallback xmlns="">
           <p:pic>
             <p:nvPicPr>
               <p:cNvPr id="9" name="Ink 8" hidden="1">
@@ -8361,8 +8361,8 @@
           </p:pic>
         </mc:Fallback>
       </mc:AlternateContent>
-      <mc:AlternateContent xmlns:mc="http://schemas.openxmlformats.org/markup-compatibility/2006">
-        <mc:Choice xmlns:p14="http://schemas.microsoft.com/office/powerpoint/2010/main" Requires="p14">
+      <mc:AlternateContent xmlns:mc="http://schemas.openxmlformats.org/markup-compatibility/2006" xmlns:p14="http://schemas.microsoft.com/office/powerpoint/2010/main">
+        <mc:Choice Requires="p14">
           <p:contentPart p14:bwMode="auto" r:id="rId5">
             <p14:nvContentPartPr>
               <p14:cNvPr id="10" name="Ink 9" hidden="1">
@@ -8381,7 +8381,7 @@
             </p14:xfrm>
           </p:contentPart>
         </mc:Choice>
-        <mc:Fallback>
+        <mc:Fallback xmlns="">
           <p:pic>
             <p:nvPicPr>
               <p:cNvPr id="10" name="Ink 9" hidden="1">
@@ -8412,8 +8412,8 @@
           </p:pic>
         </mc:Fallback>
       </mc:AlternateContent>
-      <mc:AlternateContent xmlns:mc="http://schemas.openxmlformats.org/markup-compatibility/2006">
-        <mc:Choice xmlns:p14="http://schemas.microsoft.com/office/powerpoint/2010/main" Requires="p14">
+      <mc:AlternateContent xmlns:mc="http://schemas.openxmlformats.org/markup-compatibility/2006" xmlns:p14="http://schemas.microsoft.com/office/powerpoint/2010/main">
+        <mc:Choice Requires="p14">
           <p:contentPart p14:bwMode="auto" r:id="rId6">
             <p14:nvContentPartPr>
               <p14:cNvPr id="11" name="Ink 10" hidden="1">
@@ -8432,7 +8432,7 @@
             </p14:xfrm>
           </p:contentPart>
         </mc:Choice>
-        <mc:Fallback>
+        <mc:Fallback xmlns="">
           <p:pic>
             <p:nvPicPr>
               <p:cNvPr id="11" name="Ink 10" hidden="1">
@@ -8463,8 +8463,8 @@
           </p:pic>
         </mc:Fallback>
       </mc:AlternateContent>
-      <mc:AlternateContent xmlns:mc="http://schemas.openxmlformats.org/markup-compatibility/2006">
-        <mc:Choice xmlns:p14="http://schemas.microsoft.com/office/powerpoint/2010/main" Requires="p14">
+      <mc:AlternateContent xmlns:mc="http://schemas.openxmlformats.org/markup-compatibility/2006" xmlns:p14="http://schemas.microsoft.com/office/powerpoint/2010/main">
+        <mc:Choice Requires="p14">
           <p:contentPart p14:bwMode="auto" r:id="rId7">
             <p14:nvContentPartPr>
               <p14:cNvPr id="12" name="Ink 11" hidden="1">
@@ -8483,7 +8483,7 @@
             </p14:xfrm>
           </p:contentPart>
         </mc:Choice>
-        <mc:Fallback>
+        <mc:Fallback xmlns="">
           <p:pic>
             <p:nvPicPr>
               <p:cNvPr id="12" name="Ink 11" hidden="1">
@@ -8514,8 +8514,8 @@
           </p:pic>
         </mc:Fallback>
       </mc:AlternateContent>
-      <mc:AlternateContent xmlns:mc="http://schemas.openxmlformats.org/markup-compatibility/2006">
-        <mc:Choice xmlns:p14="http://schemas.microsoft.com/office/powerpoint/2010/main" Requires="p14">
+      <mc:AlternateContent xmlns:mc="http://schemas.openxmlformats.org/markup-compatibility/2006" xmlns:p14="http://schemas.microsoft.com/office/powerpoint/2010/main">
+        <mc:Choice Requires="p14">
           <p:contentPart p14:bwMode="auto" r:id="rId9">
             <p14:nvContentPartPr>
               <p14:cNvPr id="13" name="Ink 12" hidden="1">
@@ -8534,7 +8534,7 @@
             </p14:xfrm>
           </p:contentPart>
         </mc:Choice>
-        <mc:Fallback>
+        <mc:Fallback xmlns="">
           <p:pic>
             <p:nvPicPr>
               <p:cNvPr id="13" name="Ink 12" hidden="1">
@@ -8565,8 +8565,8 @@
           </p:pic>
         </mc:Fallback>
       </mc:AlternateContent>
-      <mc:AlternateContent xmlns:mc="http://schemas.openxmlformats.org/markup-compatibility/2006">
-        <mc:Choice xmlns:p14="http://schemas.microsoft.com/office/powerpoint/2010/main" Requires="p14">
+      <mc:AlternateContent xmlns:mc="http://schemas.openxmlformats.org/markup-compatibility/2006" xmlns:p14="http://schemas.microsoft.com/office/powerpoint/2010/main">
+        <mc:Choice Requires="p14">
           <p:contentPart p14:bwMode="auto" r:id="rId11">
             <p14:nvContentPartPr>
               <p14:cNvPr id="14" name="Ink 13" hidden="1">
@@ -8585,7 +8585,7 @@
             </p14:xfrm>
           </p:contentPart>
         </mc:Choice>
-        <mc:Fallback>
+        <mc:Fallback xmlns="">
           <p:pic>
             <p:nvPicPr>
               <p:cNvPr id="14" name="Ink 13" hidden="1">
@@ -8616,8 +8616,8 @@
           </p:pic>
         </mc:Fallback>
       </mc:AlternateContent>
-      <mc:AlternateContent xmlns:mc="http://schemas.openxmlformats.org/markup-compatibility/2006">
-        <mc:Choice xmlns:p14="http://schemas.microsoft.com/office/powerpoint/2010/main" Requires="p14">
+      <mc:AlternateContent xmlns:mc="http://schemas.openxmlformats.org/markup-compatibility/2006" xmlns:p14="http://schemas.microsoft.com/office/powerpoint/2010/main">
+        <mc:Choice Requires="p14">
           <p:contentPart p14:bwMode="auto" r:id="rId12">
             <p14:nvContentPartPr>
               <p14:cNvPr id="15" name="Ink 14" hidden="1">
@@ -8636,7 +8636,7 @@
             </p14:xfrm>
           </p:contentPart>
         </mc:Choice>
-        <mc:Fallback>
+        <mc:Fallback xmlns="">
           <p:pic>
             <p:nvPicPr>
               <p:cNvPr id="15" name="Ink 14" hidden="1">
@@ -8667,8 +8667,8 @@
           </p:pic>
         </mc:Fallback>
       </mc:AlternateContent>
-      <mc:AlternateContent xmlns:mc="http://schemas.openxmlformats.org/markup-compatibility/2006">
-        <mc:Choice xmlns:p14="http://schemas.microsoft.com/office/powerpoint/2010/main" Requires="p14">
+      <mc:AlternateContent xmlns:mc="http://schemas.openxmlformats.org/markup-compatibility/2006" xmlns:p14="http://schemas.microsoft.com/office/powerpoint/2010/main">
+        <mc:Choice Requires="p14">
           <p:contentPart p14:bwMode="auto" r:id="rId13">
             <p14:nvContentPartPr>
               <p14:cNvPr id="16" name="Ink 15" hidden="1">
@@ -8687,7 +8687,7 @@
             </p14:xfrm>
           </p:contentPart>
         </mc:Choice>
-        <mc:Fallback>
+        <mc:Fallback xmlns="">
           <p:pic>
             <p:nvPicPr>
               <p:cNvPr id="16" name="Ink 15" hidden="1">
@@ -8718,8 +8718,8 @@
           </p:pic>
         </mc:Fallback>
       </mc:AlternateContent>
-      <mc:AlternateContent xmlns:mc="http://schemas.openxmlformats.org/markup-compatibility/2006">
-        <mc:Choice xmlns:p14="http://schemas.microsoft.com/office/powerpoint/2010/main" Requires="p14">
+      <mc:AlternateContent xmlns:mc="http://schemas.openxmlformats.org/markup-compatibility/2006" xmlns:p14="http://schemas.microsoft.com/office/powerpoint/2010/main">
+        <mc:Choice Requires="p14">
           <p:contentPart p14:bwMode="auto" r:id="rId14">
             <p14:nvContentPartPr>
               <p14:cNvPr id="17" name="Ink 16" hidden="1">
@@ -8738,7 +8738,7 @@
             </p14:xfrm>
           </p:contentPart>
         </mc:Choice>
-        <mc:Fallback>
+        <mc:Fallback xmlns="">
           <p:pic>
             <p:nvPicPr>
               <p:cNvPr id="17" name="Ink 16" hidden="1">
@@ -8769,8 +8769,8 @@
           </p:pic>
         </mc:Fallback>
       </mc:AlternateContent>
-      <mc:AlternateContent xmlns:mc="http://schemas.openxmlformats.org/markup-compatibility/2006">
-        <mc:Choice xmlns:p14="http://schemas.microsoft.com/office/powerpoint/2010/main" Requires="p14">
+      <mc:AlternateContent xmlns:mc="http://schemas.openxmlformats.org/markup-compatibility/2006" xmlns:p14="http://schemas.microsoft.com/office/powerpoint/2010/main">
+        <mc:Choice Requires="p14">
           <p:contentPart p14:bwMode="auto" r:id="rId15">
             <p14:nvContentPartPr>
               <p14:cNvPr id="18" name="Ink 17" hidden="1">
@@ -8789,7 +8789,7 @@
             </p14:xfrm>
           </p:contentPart>
         </mc:Choice>
-        <mc:Fallback>
+        <mc:Fallback xmlns="">
           <p:pic>
             <p:nvPicPr>
               <p:cNvPr id="18" name="Ink 17" hidden="1">
@@ -9071,19 +9071,17 @@
       </p:sp>
       <p:pic>
         <p:nvPicPr>
-          <p:cNvPr id="9" name="Content Placeholder 8">
+          <p:cNvPr id="6" name="Picture 5" descr="Chart, bar chart&#10;&#10;Description automatically generated">
             <a:extLst>
               <a:ext uri="{FF2B5EF4-FFF2-40B4-BE49-F238E27FC236}">
-                <a16:creationId xmlns:a16="http://schemas.microsoft.com/office/drawing/2014/main" id="{20BD3BB1-9FA3-57F0-1938-43F334EC59CE}"/>
+                <a16:creationId xmlns:a16="http://schemas.microsoft.com/office/drawing/2014/main" id="{9FB79F23-CC62-DD83-F0FB-55AC4021D101}"/>
               </a:ext>
             </a:extLst>
           </p:cNvPr>
           <p:cNvPicPr>
-            <a:picLocks noGrp="1" noChangeAspect="1"/>
+            <a:picLocks noChangeAspect="1"/>
           </p:cNvPicPr>
-          <p:nvPr>
-            <p:ph sz="half" idx="2"/>
-          </p:nvPr>
+          <p:nvPr/>
         </p:nvPicPr>
         <p:blipFill>
           <a:blip r:embed="rId2"/>
@@ -9093,17 +9091,20 @@
         </p:blipFill>
         <p:spPr>
           <a:xfrm>
-            <a:off x="6095999" y="1708614"/>
-            <a:ext cx="5178251" cy="3099964"/>
+            <a:off x="227761" y="1430010"/>
+            <a:ext cx="5584776" cy="3292866"/>
           </a:xfrm>
+          <a:prstGeom prst="rect">
+            <a:avLst/>
+          </a:prstGeom>
         </p:spPr>
       </p:pic>
       <p:pic>
         <p:nvPicPr>
-          <p:cNvPr id="11" name="Picture 10">
+          <p:cNvPr id="8" name="Picture 7" descr="Chart, bar chart&#10;&#10;Description automatically generated">
             <a:extLst>
               <a:ext uri="{FF2B5EF4-FFF2-40B4-BE49-F238E27FC236}">
-                <a16:creationId xmlns:a16="http://schemas.microsoft.com/office/drawing/2014/main" id="{5187B1EA-7DCE-419B-CA8F-FBA4CE51B602}"/>
+                <a16:creationId xmlns:a16="http://schemas.microsoft.com/office/drawing/2014/main" id="{7681B8DB-5AB3-75C2-A1EE-0596400E7CF6}"/>
               </a:ext>
             </a:extLst>
           </p:cNvPr>
@@ -9120,8 +9121,8 @@
         </p:blipFill>
         <p:spPr>
           <a:xfrm>
-            <a:off x="538248" y="1708614"/>
-            <a:ext cx="5485738" cy="3265320"/>
+            <a:off x="6096000" y="1430010"/>
+            <a:ext cx="5670621" cy="3913658"/>
           </a:xfrm>
           <a:prstGeom prst="rect">
             <a:avLst/>
@@ -9195,10 +9196,10 @@
       </p:sp>
       <p:pic>
         <p:nvPicPr>
-          <p:cNvPr id="5" name="Picture 4">
+          <p:cNvPr id="4" name="Picture 3" descr="Chart, bar chart&#10;&#10;Description automatically generated">
             <a:extLst>
               <a:ext uri="{FF2B5EF4-FFF2-40B4-BE49-F238E27FC236}">
-                <a16:creationId xmlns:a16="http://schemas.microsoft.com/office/drawing/2014/main" id="{45AE92FA-0204-A6E2-5F66-8B4B77D35550}"/>
+                <a16:creationId xmlns:a16="http://schemas.microsoft.com/office/drawing/2014/main" id="{58BC2EFC-6373-6D77-9D19-9E1C86201857}"/>
               </a:ext>
             </a:extLst>
           </p:cNvPr>
@@ -9215,8 +9216,8 @@
         </p:blipFill>
         <p:spPr>
           <a:xfrm>
-            <a:off x="2619089" y="1516592"/>
-            <a:ext cx="6953822" cy="4197875"/>
+            <a:off x="2316821" y="1500811"/>
+            <a:ext cx="7558358" cy="4601293"/>
           </a:xfrm>
           <a:prstGeom prst="rect">
             <a:avLst/>
@@ -11909,15 +11910,6 @@
 </file>
 
 <file path=customXml/item2.xml><?xml version="1.0" encoding="utf-8"?>
-<?mso-contentType ?>
-<FormTemplates xmlns="http://schemas.microsoft.com/sharepoint/v3/contenttype/forms">
-  <Display>DocumentLibraryForm</Display>
-  <Edit>DocumentLibraryForm</Edit>
-  <New>DocumentLibraryForm</New>
-</FormTemplates>
-</file>
-
-<file path=customXml/item3.xml><?xml version="1.0" encoding="utf-8"?>
 <ct:contentTypeSchema xmlns:ct="http://schemas.microsoft.com/office/2006/metadata/contentType" xmlns:ma="http://schemas.microsoft.com/office/2006/metadata/properties/metaAttributes" ct:_="" ma:_="" ma:contentTypeName="Document" ma:contentTypeID="0x010100EECD86F56755A646AC8AFCBCBD967F21" ma:contentTypeVersion="11" ma:contentTypeDescription="Create a new document." ma:contentTypeScope="" ma:versionID="4bc1015ece1c23b1ef2f55a62f11494f">
   <xsd:schema xmlns:xsd="http://www.w3.org/2001/XMLSchema" xmlns:xs="http://www.w3.org/2001/XMLSchema" xmlns:p="http://schemas.microsoft.com/office/2006/metadata/properties" xmlns:ns2="155be751-a274-42e8-93fb-f39d3b9bccc8" xmlns:ns3="f80a141d-92ca-4d3d-9308-f7e7b1d44ce8" targetNamespace="http://schemas.microsoft.com/office/2006/metadata/properties" ma:root="true" ma:fieldsID="efbf6837a43ed91190e40f849f23a130" ns2:_="" ns3:_="">
     <xsd:import namespace="155be751-a274-42e8-93fb-f39d3b9bccc8"/>
@@ -12128,6 +12120,15 @@
 </ct:contentTypeSchema>
 </file>
 
+<file path=customXml/item3.xml><?xml version="1.0" encoding="utf-8"?>
+<?mso-contentType ?>
+<FormTemplates xmlns="http://schemas.microsoft.com/sharepoint/v3/contenttype/forms">
+  <Display>DocumentLibraryForm</Display>
+  <Edit>DocumentLibraryForm</Edit>
+  <New>DocumentLibraryForm</New>
+</FormTemplates>
+</file>
+
 <file path=customXml/itemProps1.xml><?xml version="1.0" encoding="utf-8"?>
 <ds:datastoreItem xmlns:ds="http://schemas.openxmlformats.org/officeDocument/2006/customXml" ds:itemID="{54DA07C5-A406-4A0D-B3E6-3856C94AC7F3}">
   <ds:schemaRefs>
@@ -12138,14 +12139,6 @@
 </file>
 
 <file path=customXml/itemProps2.xml><?xml version="1.0" encoding="utf-8"?>
-<ds:datastoreItem xmlns:ds="http://schemas.openxmlformats.org/officeDocument/2006/customXml" ds:itemID="{7EFDA260-DDA0-422C-B7AE-778F653FBB36}">
-  <ds:schemaRefs>
-    <ds:schemaRef ds:uri="http://schemas.microsoft.com/sharepoint/v3/contenttype/forms"/>
-  </ds:schemaRefs>
-</ds:datastoreItem>
-</file>
-
-<file path=customXml/itemProps3.xml><?xml version="1.0" encoding="utf-8"?>
 <ds:datastoreItem xmlns:ds="http://schemas.openxmlformats.org/officeDocument/2006/customXml" ds:itemID="{887AE8FE-83F0-42D0-BB5E-14AD3FB1DE17}">
   <ds:schemaRefs>
     <ds:schemaRef ds:uri="http://schemas.microsoft.com/office/2006/metadata/contentType"/>
@@ -12162,4 +12155,12 @@
     <ds:schemaRef ds:uri="http://schemas.microsoft.com/internal/obd"/>
   </ds:schemaRefs>
 </ds:datastoreItem>
+</file>
+
+<file path=customXml/itemProps3.xml><?xml version="1.0" encoding="utf-8"?>
+<ds:datastoreItem xmlns:ds="http://schemas.openxmlformats.org/officeDocument/2006/customXml" ds:itemID="{7EFDA260-DDA0-422C-B7AE-778F653FBB36}">
+  <ds:schemaRefs>
+    <ds:schemaRef ds:uri="http://schemas.microsoft.com/sharepoint/v3/contenttype/forms"/>
+  </ds:schemaRefs>
+</ds:datastoreItem>
 </file>